--- a/Task4/Group 3/EDA_Presentation.pptx
+++ b/Task4/Group 3/EDA_Presentation.pptx
@@ -19,53 +19,42 @@
     <p:sldId id="267" r:id="rId16"/>
     <p:sldId id="268" r:id="rId17"/>
     <p:sldId id="269" r:id="rId18"/>
-    <p:sldId id="281" r:id="rId19"/>
-    <p:sldId id="284" r:id="rId20"/>
-    <p:sldId id="280" r:id="rId21"/>
-    <p:sldId id="283" r:id="rId22"/>
-    <p:sldId id="279" r:id="rId23"/>
-    <p:sldId id="285" r:id="rId24"/>
-    <p:sldId id="270" r:id="rId25"/>
-    <p:sldId id="271" r:id="rId26"/>
-    <p:sldId id="272" r:id="rId27"/>
-    <p:sldId id="273" r:id="rId28"/>
-    <p:sldId id="274" r:id="rId29"/>
-    <p:sldId id="275" r:id="rId30"/>
-    <p:sldId id="276" r:id="rId31"/>
-    <p:sldId id="277" r:id="rId32"/>
-    <p:sldId id="282" r:id="rId33"/>
-    <p:sldId id="286" r:id="rId34"/>
-    <p:sldId id="278" r:id="rId35"/>
+    <p:sldId id="270" r:id="rId19"/>
+    <p:sldId id="271" r:id="rId20"/>
+    <p:sldId id="272" r:id="rId21"/>
+    <p:sldId id="273" r:id="rId22"/>
+    <p:sldId id="274" r:id="rId23"/>
+    <p:sldId id="275" r:id="rId24"/>
+    <p:sldId id="276" r:id="rId25"/>
+    <p:sldId id="277" r:id="rId26"/>
+    <p:sldId id="280" r:id="rId27"/>
+    <p:sldId id="279" r:id="rId28"/>
+    <p:sldId id="281" r:id="rId29"/>
+    <p:sldId id="282" r:id="rId30"/>
+    <p:sldId id="278" r:id="rId31"/>
   </p:sldIdLst>
   <p:sldSz cx="18288000" cy="10287000"/>
   <p:notesSz cx="6858000" cy="9144000"/>
   <p:embeddedFontLst>
     <p:embeddedFont>
-      <p:font typeface="Source Sans Pro Bold" panose="020B0604020202020204" charset="0"/>
-      <p:regular r:id="rId36"/>
+      <p:font typeface="Canva Sans" panose="020B0604020202020204" charset="0"/>
+      <p:regular r:id="rId32"/>
     </p:embeddedFont>
     <p:embeddedFont>
-      <p:font typeface="Canva Sans" panose="020B0604020202020204" charset="0"/>
-      <p:regular r:id="rId37"/>
+      <p:font typeface="Canva Sans Bold" panose="020B0604020202020204" charset="0"/>
+      <p:regular r:id="rId33"/>
+    </p:embeddedFont>
+    <p:embeddedFont>
+      <p:font typeface="Source Sans Pro" panose="020B0503030403020204" pitchFamily="34" charset="0"/>
+      <p:regular r:id="rId34"/>
+    </p:embeddedFont>
+    <p:embeddedFont>
+      <p:font typeface="Source Sans Pro Bold" panose="020B0703030403020204" charset="0"/>
+      <p:regular r:id="rId35"/>
     </p:embeddedFont>
     <p:embeddedFont>
       <p:font typeface="Source Serif Pro Bold" panose="020B0604020202020204" charset="0"/>
-      <p:regular r:id="rId38"/>
-    </p:embeddedFont>
-    <p:embeddedFont>
-      <p:font typeface="Calibri" panose="020F0502020204030204" pitchFamily="34" charset="0"/>
-      <p:regular r:id="rId39"/>
-      <p:bold r:id="rId40"/>
-      <p:italic r:id="rId41"/>
-      <p:boldItalic r:id="rId42"/>
-    </p:embeddedFont>
-    <p:embeddedFont>
-      <p:font typeface="Canva Sans Bold" panose="020B0604020202020204" charset="0"/>
-      <p:regular r:id="rId43"/>
-    </p:embeddedFont>
-    <p:embeddedFont>
-      <p:font typeface="Source Sans Pro" panose="020B0604020202020204" charset="0"/>
-      <p:regular r:id="rId44"/>
+      <p:regular r:id="rId36"/>
     </p:embeddedFont>
   </p:embeddedFontLst>
   <p:defaultTextStyle>
@@ -3720,13 +3709,6 @@
   <p:clrMapOvr>
     <a:masterClrMapping/>
   </p:clrMapOvr>
-  <p:timing>
-    <p:tnLst>
-      <p:par>
-        <p:cTn id="1" dur="indefinite" restart="never" nodeType="tmRoot"/>
-      </p:par>
-    </p:tnLst>
-  </p:timing>
 </p:sld>
 </file>
 
@@ -3914,13 +3896,6 @@
   <p:clrMapOvr>
     <a:masterClrMapping/>
   </p:clrMapOvr>
-  <p:timing>
-    <p:tnLst>
-      <p:par>
-        <p:cTn id="1" dur="indefinite" restart="never" nodeType="tmRoot"/>
-      </p:par>
-    </p:tnLst>
-  </p:timing>
 </p:sld>
 </file>
 
@@ -4079,13 +4054,6 @@
   <p:clrMapOvr>
     <a:masterClrMapping/>
   </p:clrMapOvr>
-  <p:timing>
-    <p:tnLst>
-      <p:par>
-        <p:cTn id="1" dur="indefinite" restart="never" nodeType="tmRoot"/>
-      </p:par>
-    </p:tnLst>
-  </p:timing>
 </p:sld>
 </file>
 
@@ -4273,13 +4241,6 @@
   <p:clrMapOvr>
     <a:masterClrMapping/>
   </p:clrMapOvr>
-  <p:timing>
-    <p:tnLst>
-      <p:par>
-        <p:cTn id="1" dur="indefinite" restart="never" nodeType="tmRoot"/>
-      </p:par>
-    </p:tnLst>
-  </p:timing>
 </p:sld>
 </file>
 
@@ -4438,13 +4399,6 @@
   <p:clrMapOvr>
     <a:masterClrMapping/>
   </p:clrMapOvr>
-  <p:timing>
-    <p:tnLst>
-      <p:par>
-        <p:cTn id="1" dur="indefinite" restart="never" nodeType="tmRoot"/>
-      </p:par>
-    </p:tnLst>
-  </p:timing>
 </p:sld>
 </file>
 
@@ -4461,13 +4415,7 @@
     </p:bg>
     <p:spTree>
       <p:nvGrpSpPr>
-        <p:cNvPr id="1" name="">
-          <a:extLst>
-            <a:ext uri="{FF2B5EF4-FFF2-40B4-BE49-F238E27FC236}">
-              <a16:creationId xmlns:a16="http://schemas.microsoft.com/office/drawing/2014/main" id="{0625B2AA-94F2-88C9-5218-A2D8D4962212}"/>
-            </a:ext>
-          </a:extLst>
-        </p:cNvPr>
+        <p:cNvPr id="1" name=""/>
         <p:cNvGrpSpPr/>
         <p:nvPr/>
       </p:nvGrpSpPr>
@@ -4481,19 +4429,66 @@
       </p:grpSpPr>
       <p:sp>
         <p:nvSpPr>
-          <p:cNvPr id="2" name="TextBox 2">
-            <a:extLst>
-              <a:ext uri="{FF2B5EF4-FFF2-40B4-BE49-F238E27FC236}">
-                <a16:creationId xmlns:a16="http://schemas.microsoft.com/office/drawing/2014/main" id="{73F7DE87-0766-B44F-C473-0DBB511A00FB}"/>
-              </a:ext>
-            </a:extLst>
-          </p:cNvPr>
-          <p:cNvSpPr txBox="1"/>
-          <p:nvPr/>
-        </p:nvSpPr>
-        <p:spPr>
-          <a:xfrm>
-            <a:off x="6592397" y="319584"/>
+          <p:cNvPr id="2" name="Freeform 2"/>
+          <p:cNvSpPr/>
+          <p:nvPr/>
+        </p:nvSpPr>
+        <p:spPr>
+          <a:xfrm>
+            <a:off x="179574" y="4298283"/>
+            <a:ext cx="17928853" cy="5244189"/>
+          </a:xfrm>
+          <a:custGeom>
+            <a:avLst/>
+            <a:gdLst/>
+            <a:ahLst/>
+            <a:cxnLst/>
+            <a:rect l="l" t="t" r="r" b="b"/>
+            <a:pathLst>
+              <a:path w="17928853" h="5244189">
+                <a:moveTo>
+                  <a:pt x="0" y="0"/>
+                </a:moveTo>
+                <a:lnTo>
+                  <a:pt x="17928852" y="0"/>
+                </a:lnTo>
+                <a:lnTo>
+                  <a:pt x="17928852" y="5244189"/>
+                </a:lnTo>
+                <a:lnTo>
+                  <a:pt x="0" y="5244189"/>
+                </a:lnTo>
+                <a:lnTo>
+                  <a:pt x="0" y="0"/>
+                </a:lnTo>
+                <a:close/>
+              </a:path>
+            </a:pathLst>
+          </a:custGeom>
+          <a:blipFill>
+            <a:blip r:embed="rId2"/>
+            <a:stretch>
+              <a:fillRect/>
+            </a:stretch>
+          </a:blipFill>
+        </p:spPr>
+        <p:txBody>
+          <a:bodyPr/>
+          <a:lstStyle/>
+          <a:p>
+            <a:endParaRPr lang="en-US"/>
+          </a:p>
+        </p:txBody>
+      </p:sp>
+      <p:sp>
+        <p:nvSpPr>
+          <p:cNvPr id="3" name="TextBox 3"/>
+          <p:cNvSpPr txBox="1"/>
+          <p:nvPr/>
+        </p:nvSpPr>
+        <p:spPr>
+          <a:xfrm>
+            <a:off x="6304737" y="159703"/>
             <a:ext cx="5001459" cy="1566544"/>
           </a:xfrm>
           <a:prstGeom prst="rect">
@@ -4512,7 +4507,7 @@
               </a:lnSpc>
             </a:pPr>
             <a:r>
-              <a:rPr lang="en-US" sz="9200" b="1" dirty="0">
+              <a:rPr lang="en-US" sz="9200" b="1">
                 <a:solidFill>
                   <a:srgbClr val="000000"/>
                 </a:solidFill>
@@ -4526,53 +4521,23 @@
           </a:p>
         </p:txBody>
       </p:sp>
-      <p:pic>
-        <p:nvPicPr>
-          <p:cNvPr id="7" name="Picture 6">
-            <a:extLst>
-              <a:ext uri="{FF2B5EF4-FFF2-40B4-BE49-F238E27FC236}">
-                <a16:creationId xmlns:a16="http://schemas.microsoft.com/office/drawing/2014/main" id="{7DC5062F-2A1F-DAF4-86A6-C8358B5953C9}"/>
-              </a:ext>
-            </a:extLst>
-          </p:cNvPr>
-          <p:cNvPicPr>
-            <a:picLocks noChangeAspect="1"/>
-          </p:cNvPicPr>
-          <p:nvPr/>
-        </p:nvPicPr>
-        <p:blipFill>
-          <a:blip r:embed="rId2"/>
-          <a:stretch>
-            <a:fillRect/>
-          </a:stretch>
-        </p:blipFill>
-        <p:spPr>
-          <a:xfrm>
-            <a:off x="2895600" y="3924300"/>
-            <a:ext cx="12775020" cy="5327890"/>
-          </a:xfrm>
-          <a:prstGeom prst="rect">
-            <a:avLst/>
-          </a:prstGeom>
-        </p:spPr>
-      </p:pic>
-      <p:sp>
-        <p:nvSpPr>
-          <p:cNvPr id="6" name="TextBox 5"/>
-          <p:cNvSpPr txBox="1"/>
-          <p:nvPr/>
-        </p:nvSpPr>
-        <p:spPr>
-          <a:xfrm>
-            <a:off x="2514600" y="1756306"/>
-            <a:ext cx="14056428" cy="1489318"/>
-          </a:xfrm>
-          <a:prstGeom prst="rect">
-            <a:avLst/>
-          </a:prstGeom>
-        </p:spPr>
-        <p:txBody>
-          <a:bodyPr wrap="square" lIns="0" tIns="0" rIns="0" bIns="0" rtlCol="0" anchor="t">
+      <p:sp>
+        <p:nvSpPr>
+          <p:cNvPr id="4" name="TextBox 4"/>
+          <p:cNvSpPr txBox="1"/>
+          <p:nvPr/>
+        </p:nvSpPr>
+        <p:spPr>
+          <a:xfrm>
+            <a:off x="3283864" y="1923314"/>
+            <a:ext cx="12159950" cy="1499158"/>
+          </a:xfrm>
+          <a:prstGeom prst="rect">
+            <a:avLst/>
+          </a:prstGeom>
+        </p:spPr>
+        <p:txBody>
+          <a:bodyPr lIns="0" tIns="0" rIns="0" bIns="0" rtlCol="0" anchor="t">
             <a:spAutoFit/>
           </a:bodyPr>
           <a:lstStyle/>
@@ -4583,7 +4548,7 @@
               </a:lnSpc>
             </a:pPr>
             <a:r>
-              <a:rPr lang="en-US" sz="4312" b="1" dirty="0">
+              <a:rPr lang="en-US" sz="4312" b="1">
                 <a:solidFill>
                   <a:srgbClr val="000000"/>
                 </a:solidFill>
@@ -4592,10 +4557,17 @@
                 <a:cs typeface="Canva Sans Bold"/>
                 <a:sym typeface="Canva Sans Bold"/>
               </a:rPr>
-              <a:t>Then we plot the Box plot for </a:t>
-            </a:r>
-            <a:r>
-              <a:rPr lang="en-US" sz="4312" b="1" dirty="0" smtClean="0">
+              <a:t>Then we make scatter plot for some  features</a:t>
+            </a:r>
+          </a:p>
+          <a:p>
+            <a:pPr algn="ctr">
+              <a:lnSpc>
+                <a:spcPts val="6037"/>
+              </a:lnSpc>
+            </a:pPr>
+            <a:r>
+              <a:rPr lang="en-US" sz="4312" b="1">
                 <a:solidFill>
                   <a:srgbClr val="000000"/>
                 </a:solidFill>
@@ -4604,40 +4576,16 @@
                 <a:cs typeface="Canva Sans Bold"/>
                 <a:sym typeface="Canva Sans Bold"/>
               </a:rPr>
-              <a:t>fare amount against traffic condition and weather condition</a:t>
-            </a:r>
-            <a:r>
-              <a:rPr lang="en-US" sz="4312" b="1" dirty="0" smtClean="0">
-                <a:solidFill>
-                  <a:srgbClr val="000000"/>
-                </a:solidFill>
-                <a:latin typeface="Canva Sans Bold"/>
-                <a:ea typeface="Canva Sans Bold"/>
-                <a:cs typeface="Canva Sans Bold"/>
-                <a:sym typeface="Canva Sans Bold"/>
-              </a:rPr>
-              <a:t> </a:t>
+              <a:t>against the fare amount first passenger count</a:t>
             </a:r>
           </a:p>
         </p:txBody>
       </p:sp>
     </p:spTree>
-    <p:extLst>
-      <p:ext uri="{BB962C8B-B14F-4D97-AF65-F5344CB8AC3E}">
-        <p14:creationId xmlns:p14="http://schemas.microsoft.com/office/powerpoint/2010/main" val="3229515068"/>
-      </p:ext>
-    </p:extLst>
   </p:cSld>
   <p:clrMapOvr>
     <a:masterClrMapping/>
   </p:clrMapOvr>
-  <p:timing>
-    <p:tnLst>
-      <p:par>
-        <p:cTn id="1" dur="indefinite" restart="never" nodeType="tmRoot"/>
-      </p:par>
-    </p:tnLst>
-  </p:timing>
 </p:sld>
 </file>
 
@@ -4668,13 +4616,66 @@
       </p:grpSpPr>
       <p:sp>
         <p:nvSpPr>
-          <p:cNvPr id="2" name="TextBox 2"/>
-          <p:cNvSpPr txBox="1"/>
-          <p:nvPr/>
-        </p:nvSpPr>
-        <p:spPr>
-          <a:xfrm>
-            <a:off x="6643271" y="702346"/>
+          <p:cNvPr id="2" name="Freeform 2"/>
+          <p:cNvSpPr/>
+          <p:nvPr/>
+        </p:nvSpPr>
+        <p:spPr>
+          <a:xfrm>
+            <a:off x="213206" y="4473737"/>
+            <a:ext cx="17861589" cy="5023572"/>
+          </a:xfrm>
+          <a:custGeom>
+            <a:avLst/>
+            <a:gdLst/>
+            <a:ahLst/>
+            <a:cxnLst/>
+            <a:rect l="l" t="t" r="r" b="b"/>
+            <a:pathLst>
+              <a:path w="17861589" h="5023572">
+                <a:moveTo>
+                  <a:pt x="0" y="0"/>
+                </a:moveTo>
+                <a:lnTo>
+                  <a:pt x="17861588" y="0"/>
+                </a:lnTo>
+                <a:lnTo>
+                  <a:pt x="17861588" y="5023572"/>
+                </a:lnTo>
+                <a:lnTo>
+                  <a:pt x="0" y="5023572"/>
+                </a:lnTo>
+                <a:lnTo>
+                  <a:pt x="0" y="0"/>
+                </a:lnTo>
+                <a:close/>
+              </a:path>
+            </a:pathLst>
+          </a:custGeom>
+          <a:blipFill>
+            <a:blip r:embed="rId2"/>
+            <a:stretch>
+              <a:fillRect/>
+            </a:stretch>
+          </a:blipFill>
+        </p:spPr>
+        <p:txBody>
+          <a:bodyPr/>
+          <a:lstStyle/>
+          <a:p>
+            <a:endParaRPr lang="en-US"/>
+          </a:p>
+        </p:txBody>
+      </p:sp>
+      <p:sp>
+        <p:nvSpPr>
+          <p:cNvPr id="3" name="TextBox 3"/>
+          <p:cNvSpPr txBox="1"/>
+          <p:nvPr/>
+        </p:nvSpPr>
+        <p:spPr>
+          <a:xfrm>
+            <a:off x="6304737" y="159703"/>
             <a:ext cx="5001459" cy="1566544"/>
           </a:xfrm>
           <a:prstGeom prst="rect">
@@ -4709,14 +4710,14 @@
       </p:sp>
       <p:sp>
         <p:nvSpPr>
-          <p:cNvPr id="3" name="TextBox 3"/>
-          <p:cNvSpPr txBox="1"/>
-          <p:nvPr/>
-        </p:nvSpPr>
-        <p:spPr>
-          <a:xfrm>
-            <a:off x="2909427" y="4831424"/>
-            <a:ext cx="12755447" cy="1226262"/>
+          <p:cNvPr id="4" name="TextBox 4"/>
+          <p:cNvSpPr txBox="1"/>
+          <p:nvPr/>
+        </p:nvSpPr>
+        <p:spPr>
+          <a:xfrm>
+            <a:off x="3300848" y="1923314"/>
+            <a:ext cx="12125982" cy="1499158"/>
           </a:xfrm>
           <a:prstGeom prst="rect">
             <a:avLst/>
@@ -4728,15 +4729,13 @@
           </a:bodyPr>
           <a:lstStyle/>
           <a:p>
-            <a:pPr marL="758752" lvl="1" indent="-379376" algn="ctr">
-              <a:lnSpc>
-                <a:spcPts val="4920"/>
-              </a:lnSpc>
-              <a:buFont typeface="Arial"/>
-              <a:buChar char="•"/>
-            </a:pPr>
-            <a:r>
-              <a:rPr lang="en-US" sz="3514" b="1" dirty="0">
+            <a:pPr algn="ctr">
+              <a:lnSpc>
+                <a:spcPts val="6037"/>
+              </a:lnSpc>
+            </a:pPr>
+            <a:r>
+              <a:rPr lang="en-US" sz="4312" b="1">
                 <a:solidFill>
                   <a:srgbClr val="000000"/>
                 </a:solidFill>
@@ -4745,48 +4744,17 @@
                 <a:cs typeface="Canva Sans Bold"/>
                 <a:sym typeface="Canva Sans Bold"/>
               </a:rPr>
-              <a:t>It appears that the fare amount is not affected by weather nor the traffic</a:t>
-            </a:r>
-            <a:endParaRPr lang="en-US" sz="3514" b="1" dirty="0">
-              <a:solidFill>
-                <a:srgbClr val="000000"/>
-              </a:solidFill>
-              <a:latin typeface="Canva Sans Bold"/>
-              <a:ea typeface="Canva Sans Bold"/>
-              <a:cs typeface="Canva Sans Bold"/>
-              <a:sym typeface="Canva Sans Bold"/>
-            </a:endParaRPr>
-          </a:p>
-        </p:txBody>
-      </p:sp>
-      <p:sp>
-        <p:nvSpPr>
-          <p:cNvPr id="4" name="TextBox 4"/>
-          <p:cNvSpPr txBox="1"/>
-          <p:nvPr/>
-        </p:nvSpPr>
-        <p:spPr>
-          <a:xfrm>
-            <a:off x="7010401" y="2389878"/>
-            <a:ext cx="4089252" cy="936154"/>
-          </a:xfrm>
-          <a:prstGeom prst="rect">
-            <a:avLst/>
-          </a:prstGeom>
-        </p:spPr>
-        <p:txBody>
-          <a:bodyPr wrap="square" lIns="0" tIns="0" rIns="0" bIns="0" rtlCol="0" anchor="t">
-            <a:spAutoFit/>
-          </a:bodyPr>
-          <a:lstStyle/>
+              <a:t>Then we make scatter plot for some  features</a:t>
+            </a:r>
+          </a:p>
           <a:p>
             <a:pPr algn="ctr">
               <a:lnSpc>
-                <a:spcPts val="7279"/>
-              </a:lnSpc>
-            </a:pPr>
-            <a:r>
-              <a:rPr lang="en-US" sz="5199" b="1" dirty="0">
+                <a:spcPts val="6037"/>
+              </a:lnSpc>
+            </a:pPr>
+            <a:r>
+              <a:rPr lang="en-US" sz="4312" b="1">
                 <a:solidFill>
                   <a:srgbClr val="000000"/>
                 </a:solidFill>
@@ -4795,28 +4763,16 @@
                 <a:cs typeface="Canva Sans Bold"/>
                 <a:sym typeface="Canva Sans Bold"/>
               </a:rPr>
-              <a:t>Key insights</a:t>
+              <a:t>against the fare amount second car condition</a:t>
             </a:r>
           </a:p>
         </p:txBody>
       </p:sp>
     </p:spTree>
-    <p:extLst>
-      <p:ext uri="{BB962C8B-B14F-4D97-AF65-F5344CB8AC3E}">
-        <p14:creationId xmlns:p14="http://schemas.microsoft.com/office/powerpoint/2010/main" val="3896111606"/>
-      </p:ext>
-    </p:extLst>
   </p:cSld>
   <p:clrMapOvr>
     <a:masterClrMapping/>
   </p:clrMapOvr>
-  <p:timing>
-    <p:tnLst>
-      <p:par>
-        <p:cTn id="1" dur="indefinite" restart="never" nodeType="tmRoot"/>
-      </p:par>
-    </p:tnLst>
-  </p:timing>
 </p:sld>
 </file>
 
@@ -4833,13 +4789,7 @@
     </p:bg>
     <p:spTree>
       <p:nvGrpSpPr>
-        <p:cNvPr id="1" name="">
-          <a:extLst>
-            <a:ext uri="{FF2B5EF4-FFF2-40B4-BE49-F238E27FC236}">
-              <a16:creationId xmlns:a16="http://schemas.microsoft.com/office/drawing/2014/main" id="{DCD0E8F2-7747-18E5-EC7C-1DF404BEA824}"/>
-            </a:ext>
-          </a:extLst>
-        </p:cNvPr>
+        <p:cNvPr id="1" name=""/>
         <p:cNvGrpSpPr/>
         <p:nvPr/>
       </p:nvGrpSpPr>
@@ -4853,19 +4803,66 @@
       </p:grpSpPr>
       <p:sp>
         <p:nvSpPr>
-          <p:cNvPr id="2" name="TextBox 2">
-            <a:extLst>
-              <a:ext uri="{FF2B5EF4-FFF2-40B4-BE49-F238E27FC236}">
-                <a16:creationId xmlns:a16="http://schemas.microsoft.com/office/drawing/2014/main" id="{8DF386FB-6061-1715-A6FD-A7E499D0BF39}"/>
-              </a:ext>
-            </a:extLst>
-          </p:cNvPr>
-          <p:cNvSpPr txBox="1"/>
-          <p:nvPr/>
-        </p:nvSpPr>
-        <p:spPr>
-          <a:xfrm>
-            <a:off x="6643269" y="342651"/>
+          <p:cNvPr id="2" name="Freeform 2"/>
+          <p:cNvSpPr/>
+          <p:nvPr/>
+        </p:nvSpPr>
+        <p:spPr>
+          <a:xfrm>
+            <a:off x="200180" y="4160323"/>
+            <a:ext cx="17887639" cy="5097977"/>
+          </a:xfrm>
+          <a:custGeom>
+            <a:avLst/>
+            <a:gdLst/>
+            <a:ahLst/>
+            <a:cxnLst/>
+            <a:rect l="l" t="t" r="r" b="b"/>
+            <a:pathLst>
+              <a:path w="17887639" h="5097977">
+                <a:moveTo>
+                  <a:pt x="0" y="0"/>
+                </a:moveTo>
+                <a:lnTo>
+                  <a:pt x="17887640" y="0"/>
+                </a:lnTo>
+                <a:lnTo>
+                  <a:pt x="17887640" y="5097977"/>
+                </a:lnTo>
+                <a:lnTo>
+                  <a:pt x="0" y="5097977"/>
+                </a:lnTo>
+                <a:lnTo>
+                  <a:pt x="0" y="0"/>
+                </a:lnTo>
+                <a:close/>
+              </a:path>
+            </a:pathLst>
+          </a:custGeom>
+          <a:blipFill>
+            <a:blip r:embed="rId2"/>
+            <a:stretch>
+              <a:fillRect/>
+            </a:stretch>
+          </a:blipFill>
+        </p:spPr>
+        <p:txBody>
+          <a:bodyPr/>
+          <a:lstStyle/>
+          <a:p>
+            <a:endParaRPr lang="en-US"/>
+          </a:p>
+        </p:txBody>
+      </p:sp>
+      <p:sp>
+        <p:nvSpPr>
+          <p:cNvPr id="3" name="TextBox 3"/>
+          <p:cNvSpPr txBox="1"/>
+          <p:nvPr/>
+        </p:nvSpPr>
+        <p:spPr>
+          <a:xfrm>
+            <a:off x="6304737" y="159703"/>
             <a:ext cx="5001459" cy="1566544"/>
           </a:xfrm>
           <a:prstGeom prst="rect">
@@ -4884,7 +4881,7 @@
               </a:lnSpc>
             </a:pPr>
             <a:r>
-              <a:rPr lang="en-US" sz="9200" b="1" dirty="0">
+              <a:rPr lang="en-US" sz="9200" b="1">
                 <a:solidFill>
                   <a:srgbClr val="000000"/>
                 </a:solidFill>
@@ -4898,53 +4895,23 @@
           </a:p>
         </p:txBody>
       </p:sp>
-      <p:pic>
-        <p:nvPicPr>
-          <p:cNvPr id="6" name="Picture 5">
-            <a:extLst>
-              <a:ext uri="{FF2B5EF4-FFF2-40B4-BE49-F238E27FC236}">
-                <a16:creationId xmlns:a16="http://schemas.microsoft.com/office/drawing/2014/main" id="{8E4F2579-5E2D-97F5-EE9C-3005BFEA3307}"/>
-              </a:ext>
-            </a:extLst>
-          </p:cNvPr>
-          <p:cNvPicPr>
-            <a:picLocks noChangeAspect="1"/>
-          </p:cNvPicPr>
-          <p:nvPr/>
-        </p:nvPicPr>
-        <p:blipFill>
-          <a:blip r:embed="rId2"/>
-          <a:stretch>
-            <a:fillRect/>
-          </a:stretch>
-        </p:blipFill>
-        <p:spPr>
-          <a:xfrm>
-            <a:off x="5683829" y="3792313"/>
-            <a:ext cx="6920336" cy="5377654"/>
-          </a:xfrm>
-          <a:prstGeom prst="rect">
-            <a:avLst/>
-          </a:prstGeom>
-        </p:spPr>
-      </p:pic>
-      <p:sp>
-        <p:nvSpPr>
-          <p:cNvPr id="5" name="TextBox 4"/>
-          <p:cNvSpPr txBox="1"/>
-          <p:nvPr/>
-        </p:nvSpPr>
-        <p:spPr>
-          <a:xfrm>
-            <a:off x="2438400" y="2070921"/>
-            <a:ext cx="14056428" cy="719877"/>
-          </a:xfrm>
-          <a:prstGeom prst="rect">
-            <a:avLst/>
-          </a:prstGeom>
-        </p:spPr>
-        <p:txBody>
-          <a:bodyPr wrap="square" lIns="0" tIns="0" rIns="0" bIns="0" rtlCol="0" anchor="t">
+      <p:sp>
+        <p:nvSpPr>
+          <p:cNvPr id="4" name="TextBox 4"/>
+          <p:cNvSpPr txBox="1"/>
+          <p:nvPr/>
+        </p:nvSpPr>
+        <p:spPr>
+          <a:xfrm>
+            <a:off x="3352639" y="1923314"/>
+            <a:ext cx="12022401" cy="1499158"/>
+          </a:xfrm>
+          <a:prstGeom prst="rect">
+            <a:avLst/>
+          </a:prstGeom>
+        </p:spPr>
+        <p:txBody>
+          <a:bodyPr lIns="0" tIns="0" rIns="0" bIns="0" rtlCol="0" anchor="t">
             <a:spAutoFit/>
           </a:bodyPr>
           <a:lstStyle/>
@@ -4955,7 +4922,7 @@
               </a:lnSpc>
             </a:pPr>
             <a:r>
-              <a:rPr lang="en-US" sz="4312" b="1" dirty="0">
+              <a:rPr lang="en-US" sz="4312" b="1">
                 <a:solidFill>
                   <a:srgbClr val="000000"/>
                 </a:solidFill>
@@ -4964,10 +4931,17 @@
                 <a:cs typeface="Canva Sans Bold"/>
                 <a:sym typeface="Canva Sans Bold"/>
               </a:rPr>
-              <a:t>Then we plot the Box plot </a:t>
-            </a:r>
-            <a:r>
-              <a:rPr lang="en-US" sz="4312" b="1" dirty="0" smtClean="0">
+              <a:t>Then we make scatter plot for some  features</a:t>
+            </a:r>
+          </a:p>
+          <a:p>
+            <a:pPr algn="ctr">
+              <a:lnSpc>
+                <a:spcPts val="6037"/>
+              </a:lnSpc>
+            </a:pPr>
+            <a:r>
+              <a:rPr lang="en-US" sz="4312" b="1">
                 <a:solidFill>
                   <a:srgbClr val="000000"/>
                 </a:solidFill>
@@ -4976,37 +4950,16 @@
                 <a:cs typeface="Canva Sans Bold"/>
                 <a:sym typeface="Canva Sans Bold"/>
               </a:rPr>
-              <a:t>for fare amount</a:t>
-            </a:r>
-            <a:endParaRPr lang="en-US" sz="4312" b="1" dirty="0">
-              <a:solidFill>
-                <a:srgbClr val="000000"/>
-              </a:solidFill>
-              <a:latin typeface="Canva Sans Bold"/>
-              <a:ea typeface="Canva Sans Bold"/>
-              <a:cs typeface="Canva Sans Bold"/>
-              <a:sym typeface="Canva Sans Bold"/>
-            </a:endParaRPr>
+              <a:t>against the fare amount third Weather</a:t>
+            </a:r>
           </a:p>
         </p:txBody>
       </p:sp>
     </p:spTree>
-    <p:extLst>
-      <p:ext uri="{BB962C8B-B14F-4D97-AF65-F5344CB8AC3E}">
-        <p14:creationId xmlns:p14="http://schemas.microsoft.com/office/powerpoint/2010/main" val="3678254827"/>
-      </p:ext>
-    </p:extLst>
   </p:cSld>
   <p:clrMapOvr>
     <a:masterClrMapping/>
   </p:clrMapOvr>
-  <p:timing>
-    <p:tnLst>
-      <p:par>
-        <p:cTn id="1" dur="indefinite" restart="never" nodeType="tmRoot"/>
-      </p:par>
-    </p:tnLst>
-  </p:timing>
 </p:sld>
 </file>
 
@@ -5037,13 +4990,66 @@
       </p:grpSpPr>
       <p:sp>
         <p:nvSpPr>
-          <p:cNvPr id="2" name="TextBox 2"/>
-          <p:cNvSpPr txBox="1"/>
-          <p:nvPr/>
-        </p:nvSpPr>
-        <p:spPr>
-          <a:xfrm>
-            <a:off x="6643271" y="702346"/>
+          <p:cNvPr id="2" name="Freeform 2"/>
+          <p:cNvSpPr/>
+          <p:nvPr/>
+        </p:nvSpPr>
+        <p:spPr>
+          <a:xfrm>
+            <a:off x="230824" y="4664067"/>
+            <a:ext cx="17567422" cy="4723264"/>
+          </a:xfrm>
+          <a:custGeom>
+            <a:avLst/>
+            <a:gdLst/>
+            <a:ahLst/>
+            <a:cxnLst/>
+            <a:rect l="l" t="t" r="r" b="b"/>
+            <a:pathLst>
+              <a:path w="17567422" h="4723264">
+                <a:moveTo>
+                  <a:pt x="0" y="0"/>
+                </a:moveTo>
+                <a:lnTo>
+                  <a:pt x="17567422" y="0"/>
+                </a:lnTo>
+                <a:lnTo>
+                  <a:pt x="17567422" y="4723264"/>
+                </a:lnTo>
+                <a:lnTo>
+                  <a:pt x="0" y="4723264"/>
+                </a:lnTo>
+                <a:lnTo>
+                  <a:pt x="0" y="0"/>
+                </a:lnTo>
+                <a:close/>
+              </a:path>
+            </a:pathLst>
+          </a:custGeom>
+          <a:blipFill>
+            <a:blip r:embed="rId2"/>
+            <a:stretch>
+              <a:fillRect t="-1816"/>
+            </a:stretch>
+          </a:blipFill>
+        </p:spPr>
+        <p:txBody>
+          <a:bodyPr/>
+          <a:lstStyle/>
+          <a:p>
+            <a:endParaRPr lang="en-US"/>
+          </a:p>
+        </p:txBody>
+      </p:sp>
+      <p:sp>
+        <p:nvSpPr>
+          <p:cNvPr id="3" name="TextBox 3"/>
+          <p:cNvSpPr txBox="1"/>
+          <p:nvPr/>
+        </p:nvSpPr>
+        <p:spPr>
+          <a:xfrm>
+            <a:off x="6304737" y="159703"/>
             <a:ext cx="5001459" cy="1566544"/>
           </a:xfrm>
           <a:prstGeom prst="rect">
@@ -5062,7 +5068,7 @@
               </a:lnSpc>
             </a:pPr>
             <a:r>
-              <a:rPr lang="en-US" sz="9200" b="1" dirty="0">
+              <a:rPr lang="en-US" sz="9200" b="1">
                 <a:solidFill>
                   <a:srgbClr val="000000"/>
                 </a:solidFill>
@@ -5078,14 +5084,14 @@
       </p:sp>
       <p:sp>
         <p:nvSpPr>
-          <p:cNvPr id="3" name="TextBox 3"/>
-          <p:cNvSpPr txBox="1"/>
-          <p:nvPr/>
-        </p:nvSpPr>
-        <p:spPr>
-          <a:xfrm>
-            <a:off x="2909427" y="4831424"/>
-            <a:ext cx="12755447" cy="540148"/>
+          <p:cNvPr id="4" name="TextBox 4"/>
+          <p:cNvSpPr txBox="1"/>
+          <p:nvPr/>
+        </p:nvSpPr>
+        <p:spPr>
+          <a:xfrm>
+            <a:off x="3182356" y="1923314"/>
+            <a:ext cx="12362966" cy="1499158"/>
           </a:xfrm>
           <a:prstGeom prst="rect">
             <a:avLst/>
@@ -5097,50 +5103,13 @@
           </a:bodyPr>
           <a:lstStyle/>
           <a:p>
-            <a:pPr marL="571500" indent="-571500" algn="ctr">
-              <a:buFont typeface="Arial" panose="020B0604020202020204" pitchFamily="34" charset="0"/>
-              <a:buChar char="•"/>
-            </a:pPr>
-            <a:r>
-              <a:rPr lang="en-US" sz="3510" b="1" dirty="0" smtClean="0"/>
-              <a:t>It </a:t>
-            </a:r>
-            <a:r>
-              <a:rPr lang="en-US" sz="3510" b="1" dirty="0"/>
-              <a:t>appears that most fare amounts are around 10$</a:t>
-            </a:r>
-            <a:endParaRPr lang="en-US" sz="3510" b="1" dirty="0"/>
-          </a:p>
-        </p:txBody>
-      </p:sp>
-      <p:sp>
-        <p:nvSpPr>
-          <p:cNvPr id="4" name="TextBox 4"/>
-          <p:cNvSpPr txBox="1"/>
-          <p:nvPr/>
-        </p:nvSpPr>
-        <p:spPr>
-          <a:xfrm>
-            <a:off x="7099374" y="2857500"/>
-            <a:ext cx="4089252" cy="936154"/>
-          </a:xfrm>
-          <a:prstGeom prst="rect">
-            <a:avLst/>
-          </a:prstGeom>
-        </p:spPr>
-        <p:txBody>
-          <a:bodyPr wrap="square" lIns="0" tIns="0" rIns="0" bIns="0" rtlCol="0" anchor="t">
-            <a:spAutoFit/>
-          </a:bodyPr>
-          <a:lstStyle/>
-          <a:p>
             <a:pPr algn="ctr">
               <a:lnSpc>
-                <a:spcPts val="7279"/>
-              </a:lnSpc>
-            </a:pPr>
-            <a:r>
-              <a:rPr lang="en-US" sz="5199" b="1" dirty="0">
+                <a:spcPts val="6037"/>
+              </a:lnSpc>
+            </a:pPr>
+            <a:r>
+              <a:rPr lang="en-US" sz="4312" b="1">
                 <a:solidFill>
                   <a:srgbClr val="000000"/>
                 </a:solidFill>
@@ -5149,28 +5118,35 @@
                 <a:cs typeface="Canva Sans Bold"/>
                 <a:sym typeface="Canva Sans Bold"/>
               </a:rPr>
-              <a:t>Key insights</a:t>
+              <a:t>Then we make scatter plot for some  features</a:t>
+            </a:r>
+          </a:p>
+          <a:p>
+            <a:pPr algn="ctr">
+              <a:lnSpc>
+                <a:spcPts val="6037"/>
+              </a:lnSpc>
+            </a:pPr>
+            <a:r>
+              <a:rPr lang="en-US" sz="4312" b="1">
+                <a:solidFill>
+                  <a:srgbClr val="000000"/>
+                </a:solidFill>
+                <a:latin typeface="Canva Sans Bold"/>
+                <a:ea typeface="Canva Sans Bold"/>
+                <a:cs typeface="Canva Sans Bold"/>
+                <a:sym typeface="Canva Sans Bold"/>
+              </a:rPr>
+              <a:t>against the fare amount forth traffic condition</a:t>
             </a:r>
           </a:p>
         </p:txBody>
       </p:sp>
     </p:spTree>
-    <p:extLst>
-      <p:ext uri="{BB962C8B-B14F-4D97-AF65-F5344CB8AC3E}">
-        <p14:creationId xmlns:p14="http://schemas.microsoft.com/office/powerpoint/2010/main" val="2896008868"/>
-      </p:ext>
-    </p:extLst>
   </p:cSld>
   <p:clrMapOvr>
     <a:masterClrMapping/>
   </p:clrMapOvr>
-  <p:timing>
-    <p:tnLst>
-      <p:par>
-        <p:cTn id="1" dur="indefinite" restart="never" nodeType="tmRoot"/>
-      </p:par>
-    </p:tnLst>
-  </p:timing>
 </p:sld>
 </file>
 
@@ -5187,13 +5163,7 @@
     </p:bg>
     <p:spTree>
       <p:nvGrpSpPr>
-        <p:cNvPr id="1" name="">
-          <a:extLst>
-            <a:ext uri="{FF2B5EF4-FFF2-40B4-BE49-F238E27FC236}">
-              <a16:creationId xmlns:a16="http://schemas.microsoft.com/office/drawing/2014/main" id="{D4A45A96-556F-50F2-7A08-A74442C01C2E}"/>
-            </a:ext>
-          </a:extLst>
-        </p:cNvPr>
+        <p:cNvPr id="1" name=""/>
         <p:cNvGrpSpPr/>
         <p:nvPr/>
       </p:nvGrpSpPr>
@@ -5207,19 +5177,66 @@
       </p:grpSpPr>
       <p:sp>
         <p:nvSpPr>
-          <p:cNvPr id="2" name="TextBox 2">
-            <a:extLst>
-              <a:ext uri="{FF2B5EF4-FFF2-40B4-BE49-F238E27FC236}">
-                <a16:creationId xmlns:a16="http://schemas.microsoft.com/office/drawing/2014/main" id="{C2606305-49F8-9170-05E7-1F5D247B0E14}"/>
-              </a:ext>
-            </a:extLst>
-          </p:cNvPr>
-          <p:cNvSpPr txBox="1"/>
-          <p:nvPr/>
-        </p:nvSpPr>
-        <p:spPr>
-          <a:xfrm>
-            <a:off x="6705600" y="343923"/>
+          <p:cNvPr id="2" name="Freeform 2"/>
+          <p:cNvSpPr/>
+          <p:nvPr/>
+        </p:nvSpPr>
+        <p:spPr>
+          <a:xfrm>
+            <a:off x="52602" y="4327286"/>
+            <a:ext cx="18182795" cy="5295739"/>
+          </a:xfrm>
+          <a:custGeom>
+            <a:avLst/>
+            <a:gdLst/>
+            <a:ahLst/>
+            <a:cxnLst/>
+            <a:rect l="l" t="t" r="r" b="b"/>
+            <a:pathLst>
+              <a:path w="18182795" h="5295739">
+                <a:moveTo>
+                  <a:pt x="0" y="0"/>
+                </a:moveTo>
+                <a:lnTo>
+                  <a:pt x="18182796" y="0"/>
+                </a:lnTo>
+                <a:lnTo>
+                  <a:pt x="18182796" y="5295739"/>
+                </a:lnTo>
+                <a:lnTo>
+                  <a:pt x="0" y="5295739"/>
+                </a:lnTo>
+                <a:lnTo>
+                  <a:pt x="0" y="0"/>
+                </a:lnTo>
+                <a:close/>
+              </a:path>
+            </a:pathLst>
+          </a:custGeom>
+          <a:blipFill>
+            <a:blip r:embed="rId2"/>
+            <a:stretch>
+              <a:fillRect/>
+            </a:stretch>
+          </a:blipFill>
+        </p:spPr>
+        <p:txBody>
+          <a:bodyPr/>
+          <a:lstStyle/>
+          <a:p>
+            <a:endParaRPr lang="en-US"/>
+          </a:p>
+        </p:txBody>
+      </p:sp>
+      <p:sp>
+        <p:nvSpPr>
+          <p:cNvPr id="3" name="TextBox 3"/>
+          <p:cNvSpPr txBox="1"/>
+          <p:nvPr/>
+        </p:nvSpPr>
+        <p:spPr>
+          <a:xfrm>
+            <a:off x="6304737" y="159703"/>
             <a:ext cx="5001459" cy="1566544"/>
           </a:xfrm>
           <a:prstGeom prst="rect">
@@ -5238,7 +5255,7 @@
               </a:lnSpc>
             </a:pPr>
             <a:r>
-              <a:rPr lang="en-US" sz="9200" b="1" dirty="0">
+              <a:rPr lang="en-US" sz="9200" b="1">
                 <a:solidFill>
                   <a:srgbClr val="000000"/>
                 </a:solidFill>
@@ -5252,53 +5269,23 @@
           </a:p>
         </p:txBody>
       </p:sp>
-      <p:pic>
-        <p:nvPicPr>
-          <p:cNvPr id="6" name="Picture 5">
-            <a:extLst>
-              <a:ext uri="{FF2B5EF4-FFF2-40B4-BE49-F238E27FC236}">
-                <a16:creationId xmlns:a16="http://schemas.microsoft.com/office/drawing/2014/main" id="{BB3CF410-CD9E-5A71-980B-08B0A289BCA8}"/>
-              </a:ext>
-            </a:extLst>
-          </p:cNvPr>
-          <p:cNvPicPr>
-            <a:picLocks noChangeAspect="1"/>
-          </p:cNvPicPr>
-          <p:nvPr/>
-        </p:nvPicPr>
-        <p:blipFill>
-          <a:blip r:embed="rId2"/>
-          <a:stretch>
-            <a:fillRect/>
-          </a:stretch>
-        </p:blipFill>
-        <p:spPr>
-          <a:xfrm>
-            <a:off x="1916705" y="3924300"/>
-            <a:ext cx="15252218" cy="5462582"/>
-          </a:xfrm>
-          <a:prstGeom prst="rect">
-            <a:avLst/>
-          </a:prstGeom>
-        </p:spPr>
-      </p:pic>
-      <p:sp>
-        <p:nvSpPr>
-          <p:cNvPr id="7" name="TextBox 6"/>
-          <p:cNvSpPr txBox="1"/>
-          <p:nvPr/>
-        </p:nvSpPr>
-        <p:spPr>
-          <a:xfrm>
-            <a:off x="2514600" y="1756306"/>
-            <a:ext cx="14056428" cy="1538883"/>
-          </a:xfrm>
-          <a:prstGeom prst="rect">
-            <a:avLst/>
-          </a:prstGeom>
-        </p:spPr>
-        <p:txBody>
-          <a:bodyPr wrap="square" lIns="0" tIns="0" rIns="0" bIns="0" rtlCol="0" anchor="t">
+      <p:sp>
+        <p:nvSpPr>
+          <p:cNvPr id="4" name="TextBox 4"/>
+          <p:cNvSpPr txBox="1"/>
+          <p:nvPr/>
+        </p:nvSpPr>
+        <p:spPr>
+          <a:xfrm>
+            <a:off x="3352639" y="1923314"/>
+            <a:ext cx="12022401" cy="1499158"/>
+          </a:xfrm>
+          <a:prstGeom prst="rect">
+            <a:avLst/>
+          </a:prstGeom>
+        </p:spPr>
+        <p:txBody>
+          <a:bodyPr lIns="0" tIns="0" rIns="0" bIns="0" rtlCol="0" anchor="t">
             <a:spAutoFit/>
           </a:bodyPr>
           <a:lstStyle/>
@@ -5309,7 +5296,7 @@
               </a:lnSpc>
             </a:pPr>
             <a:r>
-              <a:rPr lang="en-US" sz="4312" b="1" dirty="0">
+              <a:rPr lang="en-US" sz="4312" b="1">
                 <a:solidFill>
                   <a:srgbClr val="000000"/>
                 </a:solidFill>
@@ -5318,10 +5305,17 @@
                 <a:cs typeface="Canva Sans Bold"/>
                 <a:sym typeface="Canva Sans Bold"/>
               </a:rPr>
-              <a:t>Then we plot the Box plot for </a:t>
-            </a:r>
-            <a:r>
-              <a:rPr lang="en-US" sz="4312" b="1" dirty="0" smtClean="0">
+              <a:t>Then we make scatter plot for some  features</a:t>
+            </a:r>
+          </a:p>
+          <a:p>
+            <a:pPr algn="ctr">
+              <a:lnSpc>
+                <a:spcPts val="6037"/>
+              </a:lnSpc>
+            </a:pPr>
+            <a:r>
+              <a:rPr lang="en-US" sz="4312" b="1">
                 <a:solidFill>
                   <a:srgbClr val="000000"/>
                 </a:solidFill>
@@ -5330,37 +5324,16 @@
                 <a:cs typeface="Canva Sans Bold"/>
                 <a:sym typeface="Canva Sans Bold"/>
               </a:rPr>
-              <a:t>fare amount against Hour – Week day - Year</a:t>
-            </a:r>
-            <a:endParaRPr lang="en-US" sz="4312" b="1" dirty="0" smtClean="0">
-              <a:solidFill>
-                <a:srgbClr val="000000"/>
-              </a:solidFill>
-              <a:latin typeface="Canva Sans Bold"/>
-              <a:ea typeface="Canva Sans Bold"/>
-              <a:cs typeface="Canva Sans Bold"/>
-              <a:sym typeface="Canva Sans Bold"/>
-            </a:endParaRPr>
+              <a:t>against the fare amount fifth hour</a:t>
+            </a:r>
           </a:p>
         </p:txBody>
       </p:sp>
     </p:spTree>
-    <p:extLst>
-      <p:ext uri="{BB962C8B-B14F-4D97-AF65-F5344CB8AC3E}">
-        <p14:creationId xmlns:p14="http://schemas.microsoft.com/office/powerpoint/2010/main" val="128440615"/>
-      </p:ext>
-    </p:extLst>
   </p:cSld>
   <p:clrMapOvr>
     <a:masterClrMapping/>
   </p:clrMapOvr>
-  <p:timing>
-    <p:tnLst>
-      <p:par>
-        <p:cTn id="1" dur="indefinite" restart="never" nodeType="tmRoot"/>
-      </p:par>
-    </p:tnLst>
-  </p:timing>
 </p:sld>
 </file>
 
@@ -5431,7 +5404,7 @@
             <a:blip r:embed="rId2">
               <a:extLst>
                 <a:ext uri="{96DAC541-7B7A-43D3-8B79-37D633B846F1}">
-                  <asvg:svgBlip xmlns:asvg="http://schemas.microsoft.com/office/drawing/2016/SVG/main" xmlns="" r:embed="rId3"/>
+                  <asvg:svgBlip xmlns:asvg="http://schemas.microsoft.com/office/drawing/2016/SVG/main" r:embed="rId3"/>
                 </a:ext>
               </a:extLst>
             </a:blip>
@@ -5490,7 +5463,7 @@
             <a:blip r:embed="rId4">
               <a:extLst>
                 <a:ext uri="{96DAC541-7B7A-43D3-8B79-37D633B846F1}">
-                  <asvg:svgBlip xmlns:asvg="http://schemas.microsoft.com/office/drawing/2016/SVG/main" xmlns="" r:embed="rId5"/>
+                  <asvg:svgBlip xmlns:asvg="http://schemas.microsoft.com/office/drawing/2016/SVG/main" r:embed="rId5"/>
                 </a:ext>
               </a:extLst>
             </a:blip>
@@ -5549,7 +5522,7 @@
             <a:blip r:embed="rId6">
               <a:extLst>
                 <a:ext uri="{96DAC541-7B7A-43D3-8B79-37D633B846F1}">
-                  <asvg:svgBlip xmlns:asvg="http://schemas.microsoft.com/office/drawing/2016/SVG/main" xmlns="" r:embed="rId7"/>
+                  <asvg:svgBlip xmlns:asvg="http://schemas.microsoft.com/office/drawing/2016/SVG/main" r:embed="rId7"/>
                 </a:ext>
               </a:extLst>
             </a:blip>
@@ -5608,7 +5581,7 @@
             <a:blip r:embed="rId8">
               <a:extLst>
                 <a:ext uri="{96DAC541-7B7A-43D3-8B79-37D633B846F1}">
-                  <asvg:svgBlip xmlns:asvg="http://schemas.microsoft.com/office/drawing/2016/SVG/main" xmlns="" r:embed="rId9"/>
+                  <asvg:svgBlip xmlns:asvg="http://schemas.microsoft.com/office/drawing/2016/SVG/main" r:embed="rId9"/>
                 </a:ext>
               </a:extLst>
             </a:blip>
@@ -5667,7 +5640,7 @@
             <a:blip r:embed="rId10">
               <a:extLst>
                 <a:ext uri="{96DAC541-7B7A-43D3-8B79-37D633B846F1}">
-                  <asvg:svgBlip xmlns:asvg="http://schemas.microsoft.com/office/drawing/2016/SVG/main" xmlns="" r:embed="rId11"/>
+                  <asvg:svgBlip xmlns:asvg="http://schemas.microsoft.com/office/drawing/2016/SVG/main" r:embed="rId11"/>
                 </a:ext>
               </a:extLst>
             </a:blip>
@@ -6002,7 +5975,7 @@
               </a:lnSpc>
             </a:pPr>
             <a:r>
-              <a:rPr lang="en-US" sz="9200" b="1" dirty="0">
+              <a:rPr lang="en-US" sz="9200" b="1">
                 <a:solidFill>
                   <a:srgbClr val="000000"/>
                 </a:solidFill>
@@ -6024,8 +5997,8 @@
         </p:nvSpPr>
         <p:spPr>
           <a:xfrm>
-            <a:off x="2909427" y="4831424"/>
-            <a:ext cx="12755447" cy="587597"/>
+            <a:off x="781991" y="4156110"/>
+            <a:ext cx="13416249" cy="601836"/>
           </a:xfrm>
           <a:prstGeom prst="rect">
             <a:avLst/>
@@ -6045,7 +6018,7 @@
               <a:buChar char="•"/>
             </a:pPr>
             <a:r>
-              <a:rPr lang="en-US" sz="3514" b="1" dirty="0">
+              <a:rPr lang="en-US" sz="3514" b="1">
                 <a:solidFill>
                   <a:srgbClr val="000000"/>
                 </a:solidFill>
@@ -6054,10 +6027,41 @@
                 <a:cs typeface="Canva Sans Bold"/>
                 <a:sym typeface="Canva Sans Bold"/>
               </a:rPr>
-              <a:t>It appears that the rush hour is around 3 </a:t>
-            </a:r>
-            <a:r>
-              <a:rPr lang="en-US" sz="3514" b="1" dirty="0" err="1">
+              <a:t>Most of high fare amount trips are made by one passenger</a:t>
+            </a:r>
+          </a:p>
+        </p:txBody>
+      </p:sp>
+      <p:sp>
+        <p:nvSpPr>
+          <p:cNvPr id="4" name="TextBox 4"/>
+          <p:cNvSpPr txBox="1"/>
+          <p:nvPr/>
+        </p:nvSpPr>
+        <p:spPr>
+          <a:xfrm>
+            <a:off x="781991" y="6233156"/>
+            <a:ext cx="14507093" cy="601836"/>
+          </a:xfrm>
+          <a:prstGeom prst="rect">
+            <a:avLst/>
+          </a:prstGeom>
+        </p:spPr>
+        <p:txBody>
+          <a:bodyPr lIns="0" tIns="0" rIns="0" bIns="0" rtlCol="0" anchor="t">
+            <a:spAutoFit/>
+          </a:bodyPr>
+          <a:lstStyle/>
+          <a:p>
+            <a:pPr marL="758752" lvl="1" indent="-379376" algn="ctr">
+              <a:lnSpc>
+                <a:spcPts val="4920"/>
+              </a:lnSpc>
+              <a:buFont typeface="Arial"/>
+              <a:buChar char="•"/>
+            </a:pPr>
+            <a:r>
+              <a:rPr lang="en-US" sz="3514" b="1">
                 <a:solidFill>
                   <a:srgbClr val="000000"/>
                 </a:solidFill>
@@ -6066,29 +6070,20 @@
                 <a:cs typeface="Canva Sans Bold"/>
                 <a:sym typeface="Canva Sans Bold"/>
               </a:rPr>
-              <a:t>oclock</a:t>
-            </a:r>
-            <a:endParaRPr lang="en-US" sz="3514" b="1" dirty="0">
-              <a:solidFill>
-                <a:srgbClr val="000000"/>
-              </a:solidFill>
-              <a:latin typeface="Canva Sans Bold"/>
-              <a:ea typeface="Canva Sans Bold"/>
-              <a:cs typeface="Canva Sans Bold"/>
-              <a:sym typeface="Canva Sans Bold"/>
-            </a:endParaRPr>
-          </a:p>
-        </p:txBody>
-      </p:sp>
-      <p:sp>
-        <p:nvSpPr>
-          <p:cNvPr id="4" name="TextBox 4"/>
-          <p:cNvSpPr txBox="1"/>
-          <p:nvPr/>
-        </p:nvSpPr>
-        <p:spPr>
-          <a:xfrm>
-            <a:off x="7099374" y="2857500"/>
+              <a:t>when the weather gets cloudy or rainy the fare amount goes up </a:t>
+            </a:r>
+          </a:p>
+        </p:txBody>
+      </p:sp>
+      <p:sp>
+        <p:nvSpPr>
+          <p:cNvPr id="5" name="TextBox 5"/>
+          <p:cNvSpPr txBox="1"/>
+          <p:nvPr/>
+        </p:nvSpPr>
+        <p:spPr>
+          <a:xfrm>
+            <a:off x="7010401" y="2389878"/>
             <a:ext cx="4089252" cy="936154"/>
           </a:xfrm>
           <a:prstGeom prst="rect">
@@ -6121,114 +6116,16 @@
           </a:p>
         </p:txBody>
       </p:sp>
-    </p:spTree>
-    <p:extLst>
-      <p:ext uri="{BB962C8B-B14F-4D97-AF65-F5344CB8AC3E}">
-        <p14:creationId xmlns:p14="http://schemas.microsoft.com/office/powerpoint/2010/main" val="312019423"/>
-      </p:ext>
-    </p:extLst>
-  </p:cSld>
-  <p:clrMapOvr>
-    <a:masterClrMapping/>
-  </p:clrMapOvr>
-  <p:timing>
-    <p:tnLst>
-      <p:par>
-        <p:cTn id="1" dur="indefinite" restart="never" nodeType="tmRoot"/>
-      </p:par>
-    </p:tnLst>
-  </p:timing>
-</p:sld>
-</file>
-
-<file path=ppt/slides/slide21.xml><?xml version="1.0" encoding="utf-8"?>
-<p:sld xmlns:a="http://schemas.openxmlformats.org/drawingml/2006/main" xmlns:r="http://schemas.openxmlformats.org/officeDocument/2006/relationships" xmlns:p="http://schemas.openxmlformats.org/presentationml/2006/main">
-  <p:cSld>
-    <p:bg>
-      <p:bgPr>
-        <a:solidFill>
-          <a:srgbClr val="C4E1F9"/>
-        </a:solidFill>
-        <a:effectLst/>
-      </p:bgPr>
-    </p:bg>
-    <p:spTree>
-      <p:nvGrpSpPr>
-        <p:cNvPr id="1" name=""/>
-        <p:cNvGrpSpPr/>
-        <p:nvPr/>
-      </p:nvGrpSpPr>
-      <p:grpSpPr>
-        <a:xfrm>
-          <a:off x="0" y="0"/>
-          <a:ext cx="0" cy="0"/>
-          <a:chOff x="0" y="0"/>
-          <a:chExt cx="0" cy="0"/>
-        </a:xfrm>
-      </p:grpSpPr>
-      <p:sp>
-        <p:nvSpPr>
-          <p:cNvPr id="2" name="Freeform 2"/>
-          <p:cNvSpPr/>
-          <p:nvPr/>
-        </p:nvSpPr>
-        <p:spPr>
-          <a:xfrm>
-            <a:off x="179574" y="4298283"/>
-            <a:ext cx="17928853" cy="5244189"/>
-          </a:xfrm>
-          <a:custGeom>
-            <a:avLst/>
-            <a:gdLst/>
-            <a:ahLst/>
-            <a:cxnLst/>
-            <a:rect l="l" t="t" r="r" b="b"/>
-            <a:pathLst>
-              <a:path w="17928853" h="5244189">
-                <a:moveTo>
-                  <a:pt x="0" y="0"/>
-                </a:moveTo>
-                <a:lnTo>
-                  <a:pt x="17928852" y="0"/>
-                </a:lnTo>
-                <a:lnTo>
-                  <a:pt x="17928852" y="5244189"/>
-                </a:lnTo>
-                <a:lnTo>
-                  <a:pt x="0" y="5244189"/>
-                </a:lnTo>
-                <a:lnTo>
-                  <a:pt x="0" y="0"/>
-                </a:lnTo>
-                <a:close/>
-              </a:path>
-            </a:pathLst>
-          </a:custGeom>
-          <a:blipFill>
-            <a:blip r:embed="rId2"/>
-            <a:stretch>
-              <a:fillRect/>
-            </a:stretch>
-          </a:blipFill>
-        </p:spPr>
-        <p:txBody>
-          <a:bodyPr/>
-          <a:lstStyle/>
-          <a:p>
-            <a:endParaRPr lang="en-US"/>
-          </a:p>
-        </p:txBody>
-      </p:sp>
-      <p:sp>
-        <p:nvSpPr>
-          <p:cNvPr id="3" name="TextBox 3"/>
-          <p:cNvSpPr txBox="1"/>
-          <p:nvPr/>
-        </p:nvSpPr>
-        <p:spPr>
-          <a:xfrm>
-            <a:off x="6304737" y="159703"/>
-            <a:ext cx="5001459" cy="1566544"/>
+      <p:sp>
+        <p:nvSpPr>
+          <p:cNvPr id="6" name="TextBox 6"/>
+          <p:cNvSpPr txBox="1"/>
+          <p:nvPr/>
+        </p:nvSpPr>
+        <p:spPr>
+          <a:xfrm>
+            <a:off x="781991" y="5193170"/>
+            <a:ext cx="10376355" cy="601836"/>
           </a:xfrm>
           <a:prstGeom prst="rect">
             <a:avLst/>
@@ -6240,13 +6137,15 @@
           </a:bodyPr>
           <a:lstStyle/>
           <a:p>
-            <a:pPr algn="ctr">
-              <a:lnSpc>
-                <a:spcPts val="12880"/>
-              </a:lnSpc>
-            </a:pPr>
-            <a:r>
-              <a:rPr lang="en-US" sz="9200" b="1">
+            <a:pPr marL="758752" lvl="1" indent="-379376" algn="ctr">
+              <a:lnSpc>
+                <a:spcPts val="4920"/>
+              </a:lnSpc>
+              <a:buFont typeface="Arial"/>
+              <a:buChar char="•"/>
+            </a:pPr>
+            <a:r>
+              <a:rPr lang="en-US" sz="3514" b="1">
                 <a:solidFill>
                   <a:srgbClr val="000000"/>
                 </a:solidFill>
@@ -6255,21 +6154,21 @@
                 <a:cs typeface="Canva Sans Bold"/>
                 <a:sym typeface="Canva Sans Bold"/>
               </a:rPr>
-              <a:t>EDA</a:t>
-            </a:r>
-          </a:p>
-        </p:txBody>
-      </p:sp>
-      <p:sp>
-        <p:nvSpPr>
-          <p:cNvPr id="4" name="TextBox 4"/>
-          <p:cNvSpPr txBox="1"/>
-          <p:nvPr/>
-        </p:nvSpPr>
-        <p:spPr>
-          <a:xfrm>
-            <a:off x="3283864" y="1923314"/>
-            <a:ext cx="12159950" cy="1499158"/>
+              <a:t>Car condition rarely affects the fare amount</a:t>
+            </a:r>
+          </a:p>
+        </p:txBody>
+      </p:sp>
+      <p:sp>
+        <p:nvSpPr>
+          <p:cNvPr id="7" name="TextBox 7"/>
+          <p:cNvSpPr txBox="1"/>
+          <p:nvPr/>
+        </p:nvSpPr>
+        <p:spPr>
+          <a:xfrm>
+            <a:off x="781991" y="7273143"/>
+            <a:ext cx="15552817" cy="601836"/>
           </a:xfrm>
           <a:prstGeom prst="rect">
             <a:avLst/>
@@ -6281,13 +6180,15 @@
           </a:bodyPr>
           <a:lstStyle/>
           <a:p>
-            <a:pPr algn="ctr">
-              <a:lnSpc>
-                <a:spcPts val="6037"/>
-              </a:lnSpc>
-            </a:pPr>
-            <a:r>
-              <a:rPr lang="en-US" sz="4312" b="1">
+            <a:pPr marL="758752" lvl="1" indent="-379376" algn="ctr">
+              <a:lnSpc>
+                <a:spcPts val="4920"/>
+              </a:lnSpc>
+              <a:buFont typeface="Arial"/>
+              <a:buChar char="•"/>
+            </a:pPr>
+            <a:r>
+              <a:rPr lang="en-US" sz="3514" b="1">
                 <a:solidFill>
                   <a:srgbClr val="000000"/>
                 </a:solidFill>
@@ -6296,17 +6197,41 @@
                 <a:cs typeface="Canva Sans Bold"/>
                 <a:sym typeface="Canva Sans Bold"/>
               </a:rPr>
-              <a:t>Then we make scatter plot for some  features</a:t>
-            </a:r>
-          </a:p>
-          <a:p>
-            <a:pPr algn="ctr">
-              <a:lnSpc>
-                <a:spcPts val="6037"/>
-              </a:lnSpc>
-            </a:pPr>
-            <a:r>
-              <a:rPr lang="en-US" sz="4312" b="1">
+              <a:t>The traffic condition does not have a huge influence on fare amount</a:t>
+            </a:r>
+          </a:p>
+        </p:txBody>
+      </p:sp>
+      <p:sp>
+        <p:nvSpPr>
+          <p:cNvPr id="8" name="TextBox 8"/>
+          <p:cNvSpPr txBox="1"/>
+          <p:nvPr/>
+        </p:nvSpPr>
+        <p:spPr>
+          <a:xfrm>
+            <a:off x="781991" y="8313129"/>
+            <a:ext cx="11199689" cy="601836"/>
+          </a:xfrm>
+          <a:prstGeom prst="rect">
+            <a:avLst/>
+          </a:prstGeom>
+        </p:spPr>
+        <p:txBody>
+          <a:bodyPr lIns="0" tIns="0" rIns="0" bIns="0" rtlCol="0" anchor="t">
+            <a:spAutoFit/>
+          </a:bodyPr>
+          <a:lstStyle/>
+          <a:p>
+            <a:pPr marL="758752" lvl="1" indent="-379376" algn="ctr">
+              <a:lnSpc>
+                <a:spcPts val="4920"/>
+              </a:lnSpc>
+              <a:buFont typeface="Arial"/>
+              <a:buChar char="•"/>
+            </a:pPr>
+            <a:r>
+              <a:rPr lang="en-US" sz="3514" b="1">
                 <a:solidFill>
                   <a:srgbClr val="000000"/>
                 </a:solidFill>
@@ -6315,783 +6240,7 @@
                 <a:cs typeface="Canva Sans Bold"/>
                 <a:sym typeface="Canva Sans Bold"/>
               </a:rPr>
-              <a:t>against the fare amount first passenger count</a:t>
-            </a:r>
-          </a:p>
-        </p:txBody>
-      </p:sp>
-    </p:spTree>
-  </p:cSld>
-  <p:clrMapOvr>
-    <a:masterClrMapping/>
-  </p:clrMapOvr>
-  <p:timing>
-    <p:tnLst>
-      <p:par>
-        <p:cTn id="1" dur="indefinite" restart="never" nodeType="tmRoot"/>
-      </p:par>
-    </p:tnLst>
-  </p:timing>
-</p:sld>
-</file>
-
-<file path=ppt/slides/slide22.xml><?xml version="1.0" encoding="utf-8"?>
-<p:sld xmlns:a="http://schemas.openxmlformats.org/drawingml/2006/main" xmlns:r="http://schemas.openxmlformats.org/officeDocument/2006/relationships" xmlns:p="http://schemas.openxmlformats.org/presentationml/2006/main">
-  <p:cSld>
-    <p:bg>
-      <p:bgPr>
-        <a:solidFill>
-          <a:srgbClr val="C4E1F9"/>
-        </a:solidFill>
-        <a:effectLst/>
-      </p:bgPr>
-    </p:bg>
-    <p:spTree>
-      <p:nvGrpSpPr>
-        <p:cNvPr id="1" name=""/>
-        <p:cNvGrpSpPr/>
-        <p:nvPr/>
-      </p:nvGrpSpPr>
-      <p:grpSpPr>
-        <a:xfrm>
-          <a:off x="0" y="0"/>
-          <a:ext cx="0" cy="0"/>
-          <a:chOff x="0" y="0"/>
-          <a:chExt cx="0" cy="0"/>
-        </a:xfrm>
-      </p:grpSpPr>
-      <p:sp>
-        <p:nvSpPr>
-          <p:cNvPr id="2" name="Freeform 2"/>
-          <p:cNvSpPr/>
-          <p:nvPr/>
-        </p:nvSpPr>
-        <p:spPr>
-          <a:xfrm>
-            <a:off x="213206" y="4473737"/>
-            <a:ext cx="17861589" cy="5023572"/>
-          </a:xfrm>
-          <a:custGeom>
-            <a:avLst/>
-            <a:gdLst/>
-            <a:ahLst/>
-            <a:cxnLst/>
-            <a:rect l="l" t="t" r="r" b="b"/>
-            <a:pathLst>
-              <a:path w="17861589" h="5023572">
-                <a:moveTo>
-                  <a:pt x="0" y="0"/>
-                </a:moveTo>
-                <a:lnTo>
-                  <a:pt x="17861588" y="0"/>
-                </a:lnTo>
-                <a:lnTo>
-                  <a:pt x="17861588" y="5023572"/>
-                </a:lnTo>
-                <a:lnTo>
-                  <a:pt x="0" y="5023572"/>
-                </a:lnTo>
-                <a:lnTo>
-                  <a:pt x="0" y="0"/>
-                </a:lnTo>
-                <a:close/>
-              </a:path>
-            </a:pathLst>
-          </a:custGeom>
-          <a:blipFill>
-            <a:blip r:embed="rId2"/>
-            <a:stretch>
-              <a:fillRect/>
-            </a:stretch>
-          </a:blipFill>
-        </p:spPr>
-        <p:txBody>
-          <a:bodyPr/>
-          <a:lstStyle/>
-          <a:p>
-            <a:endParaRPr lang="en-US"/>
-          </a:p>
-        </p:txBody>
-      </p:sp>
-      <p:sp>
-        <p:nvSpPr>
-          <p:cNvPr id="3" name="TextBox 3"/>
-          <p:cNvSpPr txBox="1"/>
-          <p:nvPr/>
-        </p:nvSpPr>
-        <p:spPr>
-          <a:xfrm>
-            <a:off x="6304737" y="159703"/>
-            <a:ext cx="5001459" cy="1566544"/>
-          </a:xfrm>
-          <a:prstGeom prst="rect">
-            <a:avLst/>
-          </a:prstGeom>
-        </p:spPr>
-        <p:txBody>
-          <a:bodyPr lIns="0" tIns="0" rIns="0" bIns="0" rtlCol="0" anchor="t">
-            <a:spAutoFit/>
-          </a:bodyPr>
-          <a:lstStyle/>
-          <a:p>
-            <a:pPr algn="ctr">
-              <a:lnSpc>
-                <a:spcPts val="12880"/>
-              </a:lnSpc>
-            </a:pPr>
-            <a:r>
-              <a:rPr lang="en-US" sz="9200" b="1">
-                <a:solidFill>
-                  <a:srgbClr val="000000"/>
-                </a:solidFill>
-                <a:latin typeface="Canva Sans Bold"/>
-                <a:ea typeface="Canva Sans Bold"/>
-                <a:cs typeface="Canva Sans Bold"/>
-                <a:sym typeface="Canva Sans Bold"/>
-              </a:rPr>
-              <a:t>EDA</a:t>
-            </a:r>
-          </a:p>
-        </p:txBody>
-      </p:sp>
-      <p:sp>
-        <p:nvSpPr>
-          <p:cNvPr id="4" name="TextBox 4"/>
-          <p:cNvSpPr txBox="1"/>
-          <p:nvPr/>
-        </p:nvSpPr>
-        <p:spPr>
-          <a:xfrm>
-            <a:off x="3300848" y="1923314"/>
-            <a:ext cx="12125982" cy="1499158"/>
-          </a:xfrm>
-          <a:prstGeom prst="rect">
-            <a:avLst/>
-          </a:prstGeom>
-        </p:spPr>
-        <p:txBody>
-          <a:bodyPr lIns="0" tIns="0" rIns="0" bIns="0" rtlCol="0" anchor="t">
-            <a:spAutoFit/>
-          </a:bodyPr>
-          <a:lstStyle/>
-          <a:p>
-            <a:pPr algn="ctr">
-              <a:lnSpc>
-                <a:spcPts val="6037"/>
-              </a:lnSpc>
-            </a:pPr>
-            <a:r>
-              <a:rPr lang="en-US" sz="4312" b="1">
-                <a:solidFill>
-                  <a:srgbClr val="000000"/>
-                </a:solidFill>
-                <a:latin typeface="Canva Sans Bold"/>
-                <a:ea typeface="Canva Sans Bold"/>
-                <a:cs typeface="Canva Sans Bold"/>
-                <a:sym typeface="Canva Sans Bold"/>
-              </a:rPr>
-              <a:t>Then we make scatter plot for some  features</a:t>
-            </a:r>
-          </a:p>
-          <a:p>
-            <a:pPr algn="ctr">
-              <a:lnSpc>
-                <a:spcPts val="6037"/>
-              </a:lnSpc>
-            </a:pPr>
-            <a:r>
-              <a:rPr lang="en-US" sz="4312" b="1">
-                <a:solidFill>
-                  <a:srgbClr val="000000"/>
-                </a:solidFill>
-                <a:latin typeface="Canva Sans Bold"/>
-                <a:ea typeface="Canva Sans Bold"/>
-                <a:cs typeface="Canva Sans Bold"/>
-                <a:sym typeface="Canva Sans Bold"/>
-              </a:rPr>
-              <a:t>against the fare amount second car condition</a:t>
-            </a:r>
-          </a:p>
-        </p:txBody>
-      </p:sp>
-    </p:spTree>
-  </p:cSld>
-  <p:clrMapOvr>
-    <a:masterClrMapping/>
-  </p:clrMapOvr>
-  <p:timing>
-    <p:tnLst>
-      <p:par>
-        <p:cTn id="1" dur="indefinite" restart="never" nodeType="tmRoot"/>
-      </p:par>
-    </p:tnLst>
-  </p:timing>
-</p:sld>
-</file>
-
-<file path=ppt/slides/slide23.xml><?xml version="1.0" encoding="utf-8"?>
-<p:sld xmlns:a="http://schemas.openxmlformats.org/drawingml/2006/main" xmlns:r="http://schemas.openxmlformats.org/officeDocument/2006/relationships" xmlns:p="http://schemas.openxmlformats.org/presentationml/2006/main">
-  <p:cSld>
-    <p:bg>
-      <p:bgPr>
-        <a:solidFill>
-          <a:srgbClr val="C4E1F9"/>
-        </a:solidFill>
-        <a:effectLst/>
-      </p:bgPr>
-    </p:bg>
-    <p:spTree>
-      <p:nvGrpSpPr>
-        <p:cNvPr id="1" name=""/>
-        <p:cNvGrpSpPr/>
-        <p:nvPr/>
-      </p:nvGrpSpPr>
-      <p:grpSpPr>
-        <a:xfrm>
-          <a:off x="0" y="0"/>
-          <a:ext cx="0" cy="0"/>
-          <a:chOff x="0" y="0"/>
-          <a:chExt cx="0" cy="0"/>
-        </a:xfrm>
-      </p:grpSpPr>
-      <p:sp>
-        <p:nvSpPr>
-          <p:cNvPr id="2" name="Freeform 2"/>
-          <p:cNvSpPr/>
-          <p:nvPr/>
-        </p:nvSpPr>
-        <p:spPr>
-          <a:xfrm>
-            <a:off x="200180" y="4160323"/>
-            <a:ext cx="17887639" cy="5097977"/>
-          </a:xfrm>
-          <a:custGeom>
-            <a:avLst/>
-            <a:gdLst/>
-            <a:ahLst/>
-            <a:cxnLst/>
-            <a:rect l="l" t="t" r="r" b="b"/>
-            <a:pathLst>
-              <a:path w="17887639" h="5097977">
-                <a:moveTo>
-                  <a:pt x="0" y="0"/>
-                </a:moveTo>
-                <a:lnTo>
-                  <a:pt x="17887640" y="0"/>
-                </a:lnTo>
-                <a:lnTo>
-                  <a:pt x="17887640" y="5097977"/>
-                </a:lnTo>
-                <a:lnTo>
-                  <a:pt x="0" y="5097977"/>
-                </a:lnTo>
-                <a:lnTo>
-                  <a:pt x="0" y="0"/>
-                </a:lnTo>
-                <a:close/>
-              </a:path>
-            </a:pathLst>
-          </a:custGeom>
-          <a:blipFill>
-            <a:blip r:embed="rId2"/>
-            <a:stretch>
-              <a:fillRect/>
-            </a:stretch>
-          </a:blipFill>
-        </p:spPr>
-        <p:txBody>
-          <a:bodyPr/>
-          <a:lstStyle/>
-          <a:p>
-            <a:endParaRPr lang="en-US"/>
-          </a:p>
-        </p:txBody>
-      </p:sp>
-      <p:sp>
-        <p:nvSpPr>
-          <p:cNvPr id="3" name="TextBox 3"/>
-          <p:cNvSpPr txBox="1"/>
-          <p:nvPr/>
-        </p:nvSpPr>
-        <p:spPr>
-          <a:xfrm>
-            <a:off x="6304737" y="159703"/>
-            <a:ext cx="5001459" cy="1566544"/>
-          </a:xfrm>
-          <a:prstGeom prst="rect">
-            <a:avLst/>
-          </a:prstGeom>
-        </p:spPr>
-        <p:txBody>
-          <a:bodyPr lIns="0" tIns="0" rIns="0" bIns="0" rtlCol="0" anchor="t">
-            <a:spAutoFit/>
-          </a:bodyPr>
-          <a:lstStyle/>
-          <a:p>
-            <a:pPr algn="ctr">
-              <a:lnSpc>
-                <a:spcPts val="12880"/>
-              </a:lnSpc>
-            </a:pPr>
-            <a:r>
-              <a:rPr lang="en-US" sz="9200" b="1">
-                <a:solidFill>
-                  <a:srgbClr val="000000"/>
-                </a:solidFill>
-                <a:latin typeface="Canva Sans Bold"/>
-                <a:ea typeface="Canva Sans Bold"/>
-                <a:cs typeface="Canva Sans Bold"/>
-                <a:sym typeface="Canva Sans Bold"/>
-              </a:rPr>
-              <a:t>EDA</a:t>
-            </a:r>
-          </a:p>
-        </p:txBody>
-      </p:sp>
-      <p:sp>
-        <p:nvSpPr>
-          <p:cNvPr id="4" name="TextBox 4"/>
-          <p:cNvSpPr txBox="1"/>
-          <p:nvPr/>
-        </p:nvSpPr>
-        <p:spPr>
-          <a:xfrm>
-            <a:off x="3352639" y="1923314"/>
-            <a:ext cx="12022401" cy="1499158"/>
-          </a:xfrm>
-          <a:prstGeom prst="rect">
-            <a:avLst/>
-          </a:prstGeom>
-        </p:spPr>
-        <p:txBody>
-          <a:bodyPr lIns="0" tIns="0" rIns="0" bIns="0" rtlCol="0" anchor="t">
-            <a:spAutoFit/>
-          </a:bodyPr>
-          <a:lstStyle/>
-          <a:p>
-            <a:pPr algn="ctr">
-              <a:lnSpc>
-                <a:spcPts val="6037"/>
-              </a:lnSpc>
-            </a:pPr>
-            <a:r>
-              <a:rPr lang="en-US" sz="4312" b="1">
-                <a:solidFill>
-                  <a:srgbClr val="000000"/>
-                </a:solidFill>
-                <a:latin typeface="Canva Sans Bold"/>
-                <a:ea typeface="Canva Sans Bold"/>
-                <a:cs typeface="Canva Sans Bold"/>
-                <a:sym typeface="Canva Sans Bold"/>
-              </a:rPr>
-              <a:t>Then we make scatter plot for some  features</a:t>
-            </a:r>
-          </a:p>
-          <a:p>
-            <a:pPr algn="ctr">
-              <a:lnSpc>
-                <a:spcPts val="6037"/>
-              </a:lnSpc>
-            </a:pPr>
-            <a:r>
-              <a:rPr lang="en-US" sz="4312" b="1">
-                <a:solidFill>
-                  <a:srgbClr val="000000"/>
-                </a:solidFill>
-                <a:latin typeface="Canva Sans Bold"/>
-                <a:ea typeface="Canva Sans Bold"/>
-                <a:cs typeface="Canva Sans Bold"/>
-                <a:sym typeface="Canva Sans Bold"/>
-              </a:rPr>
-              <a:t>against the fare amount third Weather</a:t>
-            </a:r>
-          </a:p>
-        </p:txBody>
-      </p:sp>
-    </p:spTree>
-  </p:cSld>
-  <p:clrMapOvr>
-    <a:masterClrMapping/>
-  </p:clrMapOvr>
-  <p:timing>
-    <p:tnLst>
-      <p:par>
-        <p:cTn id="1" dur="indefinite" restart="never" nodeType="tmRoot"/>
-      </p:par>
-    </p:tnLst>
-  </p:timing>
-</p:sld>
-</file>
-
-<file path=ppt/slides/slide24.xml><?xml version="1.0" encoding="utf-8"?>
-<p:sld xmlns:a="http://schemas.openxmlformats.org/drawingml/2006/main" xmlns:r="http://schemas.openxmlformats.org/officeDocument/2006/relationships" xmlns:p="http://schemas.openxmlformats.org/presentationml/2006/main">
-  <p:cSld>
-    <p:bg>
-      <p:bgPr>
-        <a:solidFill>
-          <a:srgbClr val="C4E1F9"/>
-        </a:solidFill>
-        <a:effectLst/>
-      </p:bgPr>
-    </p:bg>
-    <p:spTree>
-      <p:nvGrpSpPr>
-        <p:cNvPr id="1" name=""/>
-        <p:cNvGrpSpPr/>
-        <p:nvPr/>
-      </p:nvGrpSpPr>
-      <p:grpSpPr>
-        <a:xfrm>
-          <a:off x="0" y="0"/>
-          <a:ext cx="0" cy="0"/>
-          <a:chOff x="0" y="0"/>
-          <a:chExt cx="0" cy="0"/>
-        </a:xfrm>
-      </p:grpSpPr>
-      <p:sp>
-        <p:nvSpPr>
-          <p:cNvPr id="2" name="Freeform 2"/>
-          <p:cNvSpPr/>
-          <p:nvPr/>
-        </p:nvSpPr>
-        <p:spPr>
-          <a:xfrm>
-            <a:off x="230824" y="4664067"/>
-            <a:ext cx="17567422" cy="4723264"/>
-          </a:xfrm>
-          <a:custGeom>
-            <a:avLst/>
-            <a:gdLst/>
-            <a:ahLst/>
-            <a:cxnLst/>
-            <a:rect l="l" t="t" r="r" b="b"/>
-            <a:pathLst>
-              <a:path w="17567422" h="4723264">
-                <a:moveTo>
-                  <a:pt x="0" y="0"/>
-                </a:moveTo>
-                <a:lnTo>
-                  <a:pt x="17567422" y="0"/>
-                </a:lnTo>
-                <a:lnTo>
-                  <a:pt x="17567422" y="4723264"/>
-                </a:lnTo>
-                <a:lnTo>
-                  <a:pt x="0" y="4723264"/>
-                </a:lnTo>
-                <a:lnTo>
-                  <a:pt x="0" y="0"/>
-                </a:lnTo>
-                <a:close/>
-              </a:path>
-            </a:pathLst>
-          </a:custGeom>
-          <a:blipFill>
-            <a:blip r:embed="rId2"/>
-            <a:stretch>
-              <a:fillRect t="-1816"/>
-            </a:stretch>
-          </a:blipFill>
-        </p:spPr>
-        <p:txBody>
-          <a:bodyPr/>
-          <a:lstStyle/>
-          <a:p>
-            <a:endParaRPr lang="en-US"/>
-          </a:p>
-        </p:txBody>
-      </p:sp>
-      <p:sp>
-        <p:nvSpPr>
-          <p:cNvPr id="3" name="TextBox 3"/>
-          <p:cNvSpPr txBox="1"/>
-          <p:nvPr/>
-        </p:nvSpPr>
-        <p:spPr>
-          <a:xfrm>
-            <a:off x="6304737" y="159703"/>
-            <a:ext cx="5001459" cy="1566544"/>
-          </a:xfrm>
-          <a:prstGeom prst="rect">
-            <a:avLst/>
-          </a:prstGeom>
-        </p:spPr>
-        <p:txBody>
-          <a:bodyPr lIns="0" tIns="0" rIns="0" bIns="0" rtlCol="0" anchor="t">
-            <a:spAutoFit/>
-          </a:bodyPr>
-          <a:lstStyle/>
-          <a:p>
-            <a:pPr algn="ctr">
-              <a:lnSpc>
-                <a:spcPts val="12880"/>
-              </a:lnSpc>
-            </a:pPr>
-            <a:r>
-              <a:rPr lang="en-US" sz="9200" b="1">
-                <a:solidFill>
-                  <a:srgbClr val="000000"/>
-                </a:solidFill>
-                <a:latin typeface="Canva Sans Bold"/>
-                <a:ea typeface="Canva Sans Bold"/>
-                <a:cs typeface="Canva Sans Bold"/>
-                <a:sym typeface="Canva Sans Bold"/>
-              </a:rPr>
-              <a:t>EDA</a:t>
-            </a:r>
-          </a:p>
-        </p:txBody>
-      </p:sp>
-      <p:sp>
-        <p:nvSpPr>
-          <p:cNvPr id="4" name="TextBox 4"/>
-          <p:cNvSpPr txBox="1"/>
-          <p:nvPr/>
-        </p:nvSpPr>
-        <p:spPr>
-          <a:xfrm>
-            <a:off x="3182356" y="1923314"/>
-            <a:ext cx="12362966" cy="1499158"/>
-          </a:xfrm>
-          <a:prstGeom prst="rect">
-            <a:avLst/>
-          </a:prstGeom>
-        </p:spPr>
-        <p:txBody>
-          <a:bodyPr lIns="0" tIns="0" rIns="0" bIns="0" rtlCol="0" anchor="t">
-            <a:spAutoFit/>
-          </a:bodyPr>
-          <a:lstStyle/>
-          <a:p>
-            <a:pPr algn="ctr">
-              <a:lnSpc>
-                <a:spcPts val="6037"/>
-              </a:lnSpc>
-            </a:pPr>
-            <a:r>
-              <a:rPr lang="en-US" sz="4312" b="1">
-                <a:solidFill>
-                  <a:srgbClr val="000000"/>
-                </a:solidFill>
-                <a:latin typeface="Canva Sans Bold"/>
-                <a:ea typeface="Canva Sans Bold"/>
-                <a:cs typeface="Canva Sans Bold"/>
-                <a:sym typeface="Canva Sans Bold"/>
-              </a:rPr>
-              <a:t>Then we make scatter plot for some  features</a:t>
-            </a:r>
-          </a:p>
-          <a:p>
-            <a:pPr algn="ctr">
-              <a:lnSpc>
-                <a:spcPts val="6037"/>
-              </a:lnSpc>
-            </a:pPr>
-            <a:r>
-              <a:rPr lang="en-US" sz="4312" b="1">
-                <a:solidFill>
-                  <a:srgbClr val="000000"/>
-                </a:solidFill>
-                <a:latin typeface="Canva Sans Bold"/>
-                <a:ea typeface="Canva Sans Bold"/>
-                <a:cs typeface="Canva Sans Bold"/>
-                <a:sym typeface="Canva Sans Bold"/>
-              </a:rPr>
-              <a:t>against the fare amount forth traffic condition</a:t>
-            </a:r>
-          </a:p>
-        </p:txBody>
-      </p:sp>
-    </p:spTree>
-  </p:cSld>
-  <p:clrMapOvr>
-    <a:masterClrMapping/>
-  </p:clrMapOvr>
-  <p:timing>
-    <p:tnLst>
-      <p:par>
-        <p:cTn id="1" dur="indefinite" restart="never" nodeType="tmRoot"/>
-      </p:par>
-    </p:tnLst>
-  </p:timing>
-</p:sld>
-</file>
-
-<file path=ppt/slides/slide25.xml><?xml version="1.0" encoding="utf-8"?>
-<p:sld xmlns:a="http://schemas.openxmlformats.org/drawingml/2006/main" xmlns:r="http://schemas.openxmlformats.org/officeDocument/2006/relationships" xmlns:p="http://schemas.openxmlformats.org/presentationml/2006/main">
-  <p:cSld>
-    <p:bg>
-      <p:bgPr>
-        <a:solidFill>
-          <a:srgbClr val="C4E1F9"/>
-        </a:solidFill>
-        <a:effectLst/>
-      </p:bgPr>
-    </p:bg>
-    <p:spTree>
-      <p:nvGrpSpPr>
-        <p:cNvPr id="1" name=""/>
-        <p:cNvGrpSpPr/>
-        <p:nvPr/>
-      </p:nvGrpSpPr>
-      <p:grpSpPr>
-        <a:xfrm>
-          <a:off x="0" y="0"/>
-          <a:ext cx="0" cy="0"/>
-          <a:chOff x="0" y="0"/>
-          <a:chExt cx="0" cy="0"/>
-        </a:xfrm>
-      </p:grpSpPr>
-      <p:sp>
-        <p:nvSpPr>
-          <p:cNvPr id="2" name="Freeform 2"/>
-          <p:cNvSpPr/>
-          <p:nvPr/>
-        </p:nvSpPr>
-        <p:spPr>
-          <a:xfrm>
-            <a:off x="52602" y="4327286"/>
-            <a:ext cx="18182795" cy="5295739"/>
-          </a:xfrm>
-          <a:custGeom>
-            <a:avLst/>
-            <a:gdLst/>
-            <a:ahLst/>
-            <a:cxnLst/>
-            <a:rect l="l" t="t" r="r" b="b"/>
-            <a:pathLst>
-              <a:path w="18182795" h="5295739">
-                <a:moveTo>
-                  <a:pt x="0" y="0"/>
-                </a:moveTo>
-                <a:lnTo>
-                  <a:pt x="18182796" y="0"/>
-                </a:lnTo>
-                <a:lnTo>
-                  <a:pt x="18182796" y="5295739"/>
-                </a:lnTo>
-                <a:lnTo>
-                  <a:pt x="0" y="5295739"/>
-                </a:lnTo>
-                <a:lnTo>
-                  <a:pt x="0" y="0"/>
-                </a:lnTo>
-                <a:close/>
-              </a:path>
-            </a:pathLst>
-          </a:custGeom>
-          <a:blipFill>
-            <a:blip r:embed="rId2"/>
-            <a:stretch>
-              <a:fillRect/>
-            </a:stretch>
-          </a:blipFill>
-        </p:spPr>
-        <p:txBody>
-          <a:bodyPr/>
-          <a:lstStyle/>
-          <a:p>
-            <a:endParaRPr lang="en-US"/>
-          </a:p>
-        </p:txBody>
-      </p:sp>
-      <p:sp>
-        <p:nvSpPr>
-          <p:cNvPr id="3" name="TextBox 3"/>
-          <p:cNvSpPr txBox="1"/>
-          <p:nvPr/>
-        </p:nvSpPr>
-        <p:spPr>
-          <a:xfrm>
-            <a:off x="6304737" y="159703"/>
-            <a:ext cx="5001459" cy="1566544"/>
-          </a:xfrm>
-          <a:prstGeom prst="rect">
-            <a:avLst/>
-          </a:prstGeom>
-        </p:spPr>
-        <p:txBody>
-          <a:bodyPr lIns="0" tIns="0" rIns="0" bIns="0" rtlCol="0" anchor="t">
-            <a:spAutoFit/>
-          </a:bodyPr>
-          <a:lstStyle/>
-          <a:p>
-            <a:pPr algn="ctr">
-              <a:lnSpc>
-                <a:spcPts val="12880"/>
-              </a:lnSpc>
-            </a:pPr>
-            <a:r>
-              <a:rPr lang="en-US" sz="9200" b="1">
-                <a:solidFill>
-                  <a:srgbClr val="000000"/>
-                </a:solidFill>
-                <a:latin typeface="Canva Sans Bold"/>
-                <a:ea typeface="Canva Sans Bold"/>
-                <a:cs typeface="Canva Sans Bold"/>
-                <a:sym typeface="Canva Sans Bold"/>
-              </a:rPr>
-              <a:t>EDA</a:t>
-            </a:r>
-          </a:p>
-        </p:txBody>
-      </p:sp>
-      <p:sp>
-        <p:nvSpPr>
-          <p:cNvPr id="4" name="TextBox 4"/>
-          <p:cNvSpPr txBox="1"/>
-          <p:nvPr/>
-        </p:nvSpPr>
-        <p:spPr>
-          <a:xfrm>
-            <a:off x="3352639" y="1923314"/>
-            <a:ext cx="12022401" cy="1499158"/>
-          </a:xfrm>
-          <a:prstGeom prst="rect">
-            <a:avLst/>
-          </a:prstGeom>
-        </p:spPr>
-        <p:txBody>
-          <a:bodyPr lIns="0" tIns="0" rIns="0" bIns="0" rtlCol="0" anchor="t">
-            <a:spAutoFit/>
-          </a:bodyPr>
-          <a:lstStyle/>
-          <a:p>
-            <a:pPr algn="ctr">
-              <a:lnSpc>
-                <a:spcPts val="6037"/>
-              </a:lnSpc>
-            </a:pPr>
-            <a:r>
-              <a:rPr lang="en-US" sz="4312" b="1">
-                <a:solidFill>
-                  <a:srgbClr val="000000"/>
-                </a:solidFill>
-                <a:latin typeface="Canva Sans Bold"/>
-                <a:ea typeface="Canva Sans Bold"/>
-                <a:cs typeface="Canva Sans Bold"/>
-                <a:sym typeface="Canva Sans Bold"/>
-              </a:rPr>
-              <a:t>Then we make scatter plot for some  features</a:t>
-            </a:r>
-          </a:p>
-          <a:p>
-            <a:pPr algn="ctr">
-              <a:lnSpc>
-                <a:spcPts val="6037"/>
-              </a:lnSpc>
-            </a:pPr>
-            <a:r>
-              <a:rPr lang="en-US" sz="4312" b="1">
-                <a:solidFill>
-                  <a:srgbClr val="000000"/>
-                </a:solidFill>
-                <a:latin typeface="Canva Sans Bold"/>
-                <a:ea typeface="Canva Sans Bold"/>
-                <a:cs typeface="Canva Sans Bold"/>
-                <a:sym typeface="Canva Sans Bold"/>
-              </a:rPr>
-              <a:t>against the fare amount fifth hour</a:t>
+              <a:t>The time of the day does not affect fare amount</a:t>
             </a:r>
           </a:p>
         </p:txBody>
@@ -7104,344 +6253,7 @@
 </p:sld>
 </file>
 
-<file path=ppt/slides/slide26.xml><?xml version="1.0" encoding="utf-8"?>
-<p:sld xmlns:a="http://schemas.openxmlformats.org/drawingml/2006/main" xmlns:r="http://schemas.openxmlformats.org/officeDocument/2006/relationships" xmlns:p="http://schemas.openxmlformats.org/presentationml/2006/main">
-  <p:cSld>
-    <p:bg>
-      <p:bgPr>
-        <a:solidFill>
-          <a:srgbClr val="C4E1F9"/>
-        </a:solidFill>
-        <a:effectLst/>
-      </p:bgPr>
-    </p:bg>
-    <p:spTree>
-      <p:nvGrpSpPr>
-        <p:cNvPr id="1" name=""/>
-        <p:cNvGrpSpPr/>
-        <p:nvPr/>
-      </p:nvGrpSpPr>
-      <p:grpSpPr>
-        <a:xfrm>
-          <a:off x="0" y="0"/>
-          <a:ext cx="0" cy="0"/>
-          <a:chOff x="0" y="0"/>
-          <a:chExt cx="0" cy="0"/>
-        </a:xfrm>
-      </p:grpSpPr>
-      <p:sp>
-        <p:nvSpPr>
-          <p:cNvPr id="2" name="TextBox 2"/>
-          <p:cNvSpPr txBox="1"/>
-          <p:nvPr/>
-        </p:nvSpPr>
-        <p:spPr>
-          <a:xfrm>
-            <a:off x="6643271" y="702346"/>
-            <a:ext cx="5001459" cy="1566544"/>
-          </a:xfrm>
-          <a:prstGeom prst="rect">
-            <a:avLst/>
-          </a:prstGeom>
-        </p:spPr>
-        <p:txBody>
-          <a:bodyPr lIns="0" tIns="0" rIns="0" bIns="0" rtlCol="0" anchor="t">
-            <a:spAutoFit/>
-          </a:bodyPr>
-          <a:lstStyle/>
-          <a:p>
-            <a:pPr algn="ctr">
-              <a:lnSpc>
-                <a:spcPts val="12880"/>
-              </a:lnSpc>
-            </a:pPr>
-            <a:r>
-              <a:rPr lang="en-US" sz="9200" b="1">
-                <a:solidFill>
-                  <a:srgbClr val="000000"/>
-                </a:solidFill>
-                <a:latin typeface="Canva Sans Bold"/>
-                <a:ea typeface="Canva Sans Bold"/>
-                <a:cs typeface="Canva Sans Bold"/>
-                <a:sym typeface="Canva Sans Bold"/>
-              </a:rPr>
-              <a:t>EDA</a:t>
-            </a:r>
-          </a:p>
-        </p:txBody>
-      </p:sp>
-      <p:sp>
-        <p:nvSpPr>
-          <p:cNvPr id="3" name="TextBox 3"/>
-          <p:cNvSpPr txBox="1"/>
-          <p:nvPr/>
-        </p:nvSpPr>
-        <p:spPr>
-          <a:xfrm>
-            <a:off x="781991" y="4156110"/>
-            <a:ext cx="13416249" cy="601836"/>
-          </a:xfrm>
-          <a:prstGeom prst="rect">
-            <a:avLst/>
-          </a:prstGeom>
-        </p:spPr>
-        <p:txBody>
-          <a:bodyPr lIns="0" tIns="0" rIns="0" bIns="0" rtlCol="0" anchor="t">
-            <a:spAutoFit/>
-          </a:bodyPr>
-          <a:lstStyle/>
-          <a:p>
-            <a:pPr marL="758752" lvl="1" indent="-379376" algn="ctr">
-              <a:lnSpc>
-                <a:spcPts val="4920"/>
-              </a:lnSpc>
-              <a:buFont typeface="Arial"/>
-              <a:buChar char="•"/>
-            </a:pPr>
-            <a:r>
-              <a:rPr lang="en-US" sz="3514" b="1">
-                <a:solidFill>
-                  <a:srgbClr val="000000"/>
-                </a:solidFill>
-                <a:latin typeface="Canva Sans Bold"/>
-                <a:ea typeface="Canva Sans Bold"/>
-                <a:cs typeface="Canva Sans Bold"/>
-                <a:sym typeface="Canva Sans Bold"/>
-              </a:rPr>
-              <a:t>Most of high fare amount trips are made by one passenger</a:t>
-            </a:r>
-          </a:p>
-        </p:txBody>
-      </p:sp>
-      <p:sp>
-        <p:nvSpPr>
-          <p:cNvPr id="4" name="TextBox 4"/>
-          <p:cNvSpPr txBox="1"/>
-          <p:nvPr/>
-        </p:nvSpPr>
-        <p:spPr>
-          <a:xfrm>
-            <a:off x="781991" y="6233156"/>
-            <a:ext cx="14507093" cy="601836"/>
-          </a:xfrm>
-          <a:prstGeom prst="rect">
-            <a:avLst/>
-          </a:prstGeom>
-        </p:spPr>
-        <p:txBody>
-          <a:bodyPr lIns="0" tIns="0" rIns="0" bIns="0" rtlCol="0" anchor="t">
-            <a:spAutoFit/>
-          </a:bodyPr>
-          <a:lstStyle/>
-          <a:p>
-            <a:pPr marL="758752" lvl="1" indent="-379376" algn="ctr">
-              <a:lnSpc>
-                <a:spcPts val="4920"/>
-              </a:lnSpc>
-              <a:buFont typeface="Arial"/>
-              <a:buChar char="•"/>
-            </a:pPr>
-            <a:r>
-              <a:rPr lang="en-US" sz="3514" b="1">
-                <a:solidFill>
-                  <a:srgbClr val="000000"/>
-                </a:solidFill>
-                <a:latin typeface="Canva Sans Bold"/>
-                <a:ea typeface="Canva Sans Bold"/>
-                <a:cs typeface="Canva Sans Bold"/>
-                <a:sym typeface="Canva Sans Bold"/>
-              </a:rPr>
-              <a:t>when the weather gets cloudy or rainy the fare amount goes up </a:t>
-            </a:r>
-          </a:p>
-        </p:txBody>
-      </p:sp>
-      <p:sp>
-        <p:nvSpPr>
-          <p:cNvPr id="5" name="TextBox 5"/>
-          <p:cNvSpPr txBox="1"/>
-          <p:nvPr/>
-        </p:nvSpPr>
-        <p:spPr>
-          <a:xfrm>
-            <a:off x="7010401" y="2389878"/>
-            <a:ext cx="4089252" cy="936154"/>
-          </a:xfrm>
-          <a:prstGeom prst="rect">
-            <a:avLst/>
-          </a:prstGeom>
-        </p:spPr>
-        <p:txBody>
-          <a:bodyPr wrap="square" lIns="0" tIns="0" rIns="0" bIns="0" rtlCol="0" anchor="t">
-            <a:spAutoFit/>
-          </a:bodyPr>
-          <a:lstStyle/>
-          <a:p>
-            <a:pPr algn="ctr">
-              <a:lnSpc>
-                <a:spcPts val="7279"/>
-              </a:lnSpc>
-            </a:pPr>
-            <a:r>
-              <a:rPr lang="en-US" sz="5199" b="1" dirty="0">
-                <a:solidFill>
-                  <a:srgbClr val="000000"/>
-                </a:solidFill>
-                <a:latin typeface="Canva Sans Bold"/>
-                <a:ea typeface="Canva Sans Bold"/>
-                <a:cs typeface="Canva Sans Bold"/>
-                <a:sym typeface="Canva Sans Bold"/>
-              </a:rPr>
-              <a:t>Key insights</a:t>
-            </a:r>
-          </a:p>
-        </p:txBody>
-      </p:sp>
-      <p:sp>
-        <p:nvSpPr>
-          <p:cNvPr id="6" name="TextBox 6"/>
-          <p:cNvSpPr txBox="1"/>
-          <p:nvPr/>
-        </p:nvSpPr>
-        <p:spPr>
-          <a:xfrm>
-            <a:off x="781991" y="5193170"/>
-            <a:ext cx="10376355" cy="601836"/>
-          </a:xfrm>
-          <a:prstGeom prst="rect">
-            <a:avLst/>
-          </a:prstGeom>
-        </p:spPr>
-        <p:txBody>
-          <a:bodyPr lIns="0" tIns="0" rIns="0" bIns="0" rtlCol="0" anchor="t">
-            <a:spAutoFit/>
-          </a:bodyPr>
-          <a:lstStyle/>
-          <a:p>
-            <a:pPr marL="758752" lvl="1" indent="-379376" algn="ctr">
-              <a:lnSpc>
-                <a:spcPts val="4920"/>
-              </a:lnSpc>
-              <a:buFont typeface="Arial"/>
-              <a:buChar char="•"/>
-            </a:pPr>
-            <a:r>
-              <a:rPr lang="en-US" sz="3514" b="1">
-                <a:solidFill>
-                  <a:srgbClr val="000000"/>
-                </a:solidFill>
-                <a:latin typeface="Canva Sans Bold"/>
-                <a:ea typeface="Canva Sans Bold"/>
-                <a:cs typeface="Canva Sans Bold"/>
-                <a:sym typeface="Canva Sans Bold"/>
-              </a:rPr>
-              <a:t>Car condition rarely affects the fare amount</a:t>
-            </a:r>
-          </a:p>
-        </p:txBody>
-      </p:sp>
-      <p:sp>
-        <p:nvSpPr>
-          <p:cNvPr id="7" name="TextBox 7"/>
-          <p:cNvSpPr txBox="1"/>
-          <p:nvPr/>
-        </p:nvSpPr>
-        <p:spPr>
-          <a:xfrm>
-            <a:off x="781991" y="7273143"/>
-            <a:ext cx="15552817" cy="601836"/>
-          </a:xfrm>
-          <a:prstGeom prst="rect">
-            <a:avLst/>
-          </a:prstGeom>
-        </p:spPr>
-        <p:txBody>
-          <a:bodyPr lIns="0" tIns="0" rIns="0" bIns="0" rtlCol="0" anchor="t">
-            <a:spAutoFit/>
-          </a:bodyPr>
-          <a:lstStyle/>
-          <a:p>
-            <a:pPr marL="758752" lvl="1" indent="-379376" algn="ctr">
-              <a:lnSpc>
-                <a:spcPts val="4920"/>
-              </a:lnSpc>
-              <a:buFont typeface="Arial"/>
-              <a:buChar char="•"/>
-            </a:pPr>
-            <a:r>
-              <a:rPr lang="en-US" sz="3514" b="1">
-                <a:solidFill>
-                  <a:srgbClr val="000000"/>
-                </a:solidFill>
-                <a:latin typeface="Canva Sans Bold"/>
-                <a:ea typeface="Canva Sans Bold"/>
-                <a:cs typeface="Canva Sans Bold"/>
-                <a:sym typeface="Canva Sans Bold"/>
-              </a:rPr>
-              <a:t>The traffic condition does not have a huge influence on fare amount</a:t>
-            </a:r>
-          </a:p>
-        </p:txBody>
-      </p:sp>
-      <p:sp>
-        <p:nvSpPr>
-          <p:cNvPr id="8" name="TextBox 8"/>
-          <p:cNvSpPr txBox="1"/>
-          <p:nvPr/>
-        </p:nvSpPr>
-        <p:spPr>
-          <a:xfrm>
-            <a:off x="781991" y="8313129"/>
-            <a:ext cx="11199689" cy="601836"/>
-          </a:xfrm>
-          <a:prstGeom prst="rect">
-            <a:avLst/>
-          </a:prstGeom>
-        </p:spPr>
-        <p:txBody>
-          <a:bodyPr lIns="0" tIns="0" rIns="0" bIns="0" rtlCol="0" anchor="t">
-            <a:spAutoFit/>
-          </a:bodyPr>
-          <a:lstStyle/>
-          <a:p>
-            <a:pPr marL="758752" lvl="1" indent="-379376" algn="ctr">
-              <a:lnSpc>
-                <a:spcPts val="4920"/>
-              </a:lnSpc>
-              <a:buFont typeface="Arial"/>
-              <a:buChar char="•"/>
-            </a:pPr>
-            <a:r>
-              <a:rPr lang="en-US" sz="3514" b="1">
-                <a:solidFill>
-                  <a:srgbClr val="000000"/>
-                </a:solidFill>
-                <a:latin typeface="Canva Sans Bold"/>
-                <a:ea typeface="Canva Sans Bold"/>
-                <a:cs typeface="Canva Sans Bold"/>
-                <a:sym typeface="Canva Sans Bold"/>
-              </a:rPr>
-              <a:t>The time of the day does not affect fare amount</a:t>
-            </a:r>
-          </a:p>
-        </p:txBody>
-      </p:sp>
-    </p:spTree>
-  </p:cSld>
-  <p:clrMapOvr>
-    <a:masterClrMapping/>
-  </p:clrMapOvr>
-  <p:timing>
-    <p:tnLst>
-      <p:par>
-        <p:cTn id="1" dur="indefinite" restart="never" nodeType="tmRoot"/>
-      </p:par>
-    </p:tnLst>
-  </p:timing>
-</p:sld>
-</file>
-
-<file path=ppt/slides/slide27.xml><?xml version="1.0" encoding="utf-8"?>
+<file path=ppt/slides/slide21.xml><?xml version="1.0" encoding="utf-8"?>
 <p:sld xmlns:a="http://schemas.openxmlformats.org/drawingml/2006/main" xmlns:r="http://schemas.openxmlformats.org/officeDocument/2006/relationships" xmlns:p="http://schemas.openxmlformats.org/presentationml/2006/main">
   <p:cSld>
     <p:bg>
@@ -7606,17 +6418,10 @@
   <p:clrMapOvr>
     <a:masterClrMapping/>
   </p:clrMapOvr>
-  <p:timing>
-    <p:tnLst>
-      <p:par>
-        <p:cTn id="1" dur="indefinite" restart="never" nodeType="tmRoot"/>
-      </p:par>
-    </p:tnLst>
-  </p:timing>
 </p:sld>
 </file>
 
-<file path=ppt/slides/slide28.xml><?xml version="1.0" encoding="utf-8"?>
+<file path=ppt/slides/slide22.xml><?xml version="1.0" encoding="utf-8"?>
 <p:sld xmlns:a="http://schemas.openxmlformats.org/drawingml/2006/main" xmlns:r="http://schemas.openxmlformats.org/officeDocument/2006/relationships" xmlns:p="http://schemas.openxmlformats.org/presentationml/2006/main">
   <p:cSld>
     <p:bg>
@@ -7771,17 +6576,622 @@
   <p:clrMapOvr>
     <a:masterClrMapping/>
   </p:clrMapOvr>
-  <p:timing>
-    <p:tnLst>
-      <p:par>
-        <p:cTn id="1" dur="indefinite" restart="never" nodeType="tmRoot"/>
-      </p:par>
-    </p:tnLst>
-  </p:timing>
 </p:sld>
 </file>
 
-<file path=ppt/slides/slide29.xml><?xml version="1.0" encoding="utf-8"?>
+<file path=ppt/slides/slide23.xml><?xml version="1.0" encoding="utf-8"?>
+<p:sld xmlns:a="http://schemas.openxmlformats.org/drawingml/2006/main" xmlns:r="http://schemas.openxmlformats.org/officeDocument/2006/relationships" xmlns:p="http://schemas.openxmlformats.org/presentationml/2006/main">
+  <p:cSld>
+    <p:bg>
+      <p:bgPr>
+        <a:solidFill>
+          <a:srgbClr val="C4E1F9"/>
+        </a:solidFill>
+        <a:effectLst/>
+      </p:bgPr>
+    </p:bg>
+    <p:spTree>
+      <p:nvGrpSpPr>
+        <p:cNvPr id="1" name="">
+          <a:extLst>
+            <a:ext uri="{FF2B5EF4-FFF2-40B4-BE49-F238E27FC236}">
+              <a16:creationId xmlns:a16="http://schemas.microsoft.com/office/drawing/2014/main" id="{DCD0E8F2-7747-18E5-EC7C-1DF404BEA824}"/>
+            </a:ext>
+          </a:extLst>
+        </p:cNvPr>
+        <p:cNvGrpSpPr/>
+        <p:nvPr/>
+      </p:nvGrpSpPr>
+      <p:grpSpPr>
+        <a:xfrm>
+          <a:off x="0" y="0"/>
+          <a:ext cx="0" cy="0"/>
+          <a:chOff x="0" y="0"/>
+          <a:chExt cx="0" cy="0"/>
+        </a:xfrm>
+      </p:grpSpPr>
+      <p:sp>
+        <p:nvSpPr>
+          <p:cNvPr id="2" name="TextBox 2">
+            <a:extLst>
+              <a:ext uri="{FF2B5EF4-FFF2-40B4-BE49-F238E27FC236}">
+                <a16:creationId xmlns:a16="http://schemas.microsoft.com/office/drawing/2014/main" id="{8DF386FB-6061-1715-A6FD-A7E499D0BF39}"/>
+              </a:ext>
+            </a:extLst>
+          </p:cNvPr>
+          <p:cNvSpPr txBox="1"/>
+          <p:nvPr/>
+        </p:nvSpPr>
+        <p:spPr>
+          <a:xfrm>
+            <a:off x="6643271" y="702346"/>
+            <a:ext cx="5001459" cy="1566544"/>
+          </a:xfrm>
+          <a:prstGeom prst="rect">
+            <a:avLst/>
+          </a:prstGeom>
+        </p:spPr>
+        <p:txBody>
+          <a:bodyPr lIns="0" tIns="0" rIns="0" bIns="0" rtlCol="0" anchor="t">
+            <a:spAutoFit/>
+          </a:bodyPr>
+          <a:lstStyle/>
+          <a:p>
+            <a:pPr algn="ctr">
+              <a:lnSpc>
+                <a:spcPts val="12880"/>
+              </a:lnSpc>
+            </a:pPr>
+            <a:r>
+              <a:rPr lang="en-US" sz="9200" b="1">
+                <a:solidFill>
+                  <a:srgbClr val="000000"/>
+                </a:solidFill>
+                <a:latin typeface="Canva Sans Bold"/>
+                <a:ea typeface="Canva Sans Bold"/>
+                <a:cs typeface="Canva Sans Bold"/>
+                <a:sym typeface="Canva Sans Bold"/>
+              </a:rPr>
+              <a:t>EDA</a:t>
+            </a:r>
+          </a:p>
+        </p:txBody>
+      </p:sp>
+      <p:pic>
+        <p:nvPicPr>
+          <p:cNvPr id="6" name="Picture 5">
+            <a:extLst>
+              <a:ext uri="{FF2B5EF4-FFF2-40B4-BE49-F238E27FC236}">
+                <a16:creationId xmlns:a16="http://schemas.microsoft.com/office/drawing/2014/main" id="{8E4F2579-5E2D-97F5-EE9C-3005BFEA3307}"/>
+              </a:ext>
+            </a:extLst>
+          </p:cNvPr>
+          <p:cNvPicPr>
+            <a:picLocks noChangeAspect="1"/>
+          </p:cNvPicPr>
+          <p:nvPr/>
+        </p:nvPicPr>
+        <p:blipFill>
+          <a:blip r:embed="rId2"/>
+          <a:stretch>
+            <a:fillRect/>
+          </a:stretch>
+        </p:blipFill>
+        <p:spPr>
+          <a:xfrm>
+            <a:off x="5683832" y="2454673"/>
+            <a:ext cx="6920336" cy="5377654"/>
+          </a:xfrm>
+          <a:prstGeom prst="rect">
+            <a:avLst/>
+          </a:prstGeom>
+        </p:spPr>
+      </p:pic>
+      <p:sp>
+        <p:nvSpPr>
+          <p:cNvPr id="7" name="TextBox 6">
+            <a:extLst>
+              <a:ext uri="{FF2B5EF4-FFF2-40B4-BE49-F238E27FC236}">
+                <a16:creationId xmlns:a16="http://schemas.microsoft.com/office/drawing/2014/main" id="{C4DE3B90-99E7-E29E-D099-C623D20269F2}"/>
+              </a:ext>
+            </a:extLst>
+          </p:cNvPr>
+          <p:cNvSpPr txBox="1"/>
+          <p:nvPr/>
+        </p:nvSpPr>
+        <p:spPr>
+          <a:xfrm>
+            <a:off x="4491604" y="8572500"/>
+            <a:ext cx="9304791" cy="632481"/>
+          </a:xfrm>
+          <a:prstGeom prst="rect">
+            <a:avLst/>
+          </a:prstGeom>
+          <a:noFill/>
+        </p:spPr>
+        <p:txBody>
+          <a:bodyPr wrap="none" rtlCol="0">
+            <a:spAutoFit/>
+          </a:bodyPr>
+          <a:lstStyle/>
+          <a:p>
+            <a:pPr algn="ctr"/>
+            <a:r>
+              <a:rPr lang="en-US" sz="3510" dirty="0"/>
+              <a:t>It appears that most fare amounts are around 10$</a:t>
+            </a:r>
+          </a:p>
+        </p:txBody>
+      </p:sp>
+    </p:spTree>
+    <p:extLst>
+      <p:ext uri="{BB962C8B-B14F-4D97-AF65-F5344CB8AC3E}">
+        <p14:creationId xmlns:p14="http://schemas.microsoft.com/office/powerpoint/2010/main" val="3678254827"/>
+      </p:ext>
+    </p:extLst>
+  </p:cSld>
+  <p:clrMapOvr>
+    <a:masterClrMapping/>
+  </p:clrMapOvr>
+</p:sld>
+</file>
+
+<file path=ppt/slides/slide24.xml><?xml version="1.0" encoding="utf-8"?>
+<p:sld xmlns:a="http://schemas.openxmlformats.org/drawingml/2006/main" xmlns:r="http://schemas.openxmlformats.org/officeDocument/2006/relationships" xmlns:p="http://schemas.openxmlformats.org/presentationml/2006/main">
+  <p:cSld>
+    <p:bg>
+      <p:bgPr>
+        <a:solidFill>
+          <a:srgbClr val="C4E1F9"/>
+        </a:solidFill>
+        <a:effectLst/>
+      </p:bgPr>
+    </p:bg>
+    <p:spTree>
+      <p:nvGrpSpPr>
+        <p:cNvPr id="1" name="">
+          <a:extLst>
+            <a:ext uri="{FF2B5EF4-FFF2-40B4-BE49-F238E27FC236}">
+              <a16:creationId xmlns:a16="http://schemas.microsoft.com/office/drawing/2014/main" id="{D4A45A96-556F-50F2-7A08-A74442C01C2E}"/>
+            </a:ext>
+          </a:extLst>
+        </p:cNvPr>
+        <p:cNvGrpSpPr/>
+        <p:nvPr/>
+      </p:nvGrpSpPr>
+      <p:grpSpPr>
+        <a:xfrm>
+          <a:off x="0" y="0"/>
+          <a:ext cx="0" cy="0"/>
+          <a:chOff x="0" y="0"/>
+          <a:chExt cx="0" cy="0"/>
+        </a:xfrm>
+      </p:grpSpPr>
+      <p:sp>
+        <p:nvSpPr>
+          <p:cNvPr id="2" name="TextBox 2">
+            <a:extLst>
+              <a:ext uri="{FF2B5EF4-FFF2-40B4-BE49-F238E27FC236}">
+                <a16:creationId xmlns:a16="http://schemas.microsoft.com/office/drawing/2014/main" id="{C2606305-49F8-9170-05E7-1F5D247B0E14}"/>
+              </a:ext>
+            </a:extLst>
+          </p:cNvPr>
+          <p:cNvSpPr txBox="1"/>
+          <p:nvPr/>
+        </p:nvSpPr>
+        <p:spPr>
+          <a:xfrm>
+            <a:off x="6643271" y="702346"/>
+            <a:ext cx="5001459" cy="1566544"/>
+          </a:xfrm>
+          <a:prstGeom prst="rect">
+            <a:avLst/>
+          </a:prstGeom>
+        </p:spPr>
+        <p:txBody>
+          <a:bodyPr lIns="0" tIns="0" rIns="0" bIns="0" rtlCol="0" anchor="t">
+            <a:spAutoFit/>
+          </a:bodyPr>
+          <a:lstStyle/>
+          <a:p>
+            <a:pPr algn="ctr">
+              <a:lnSpc>
+                <a:spcPts val="12880"/>
+              </a:lnSpc>
+            </a:pPr>
+            <a:r>
+              <a:rPr lang="en-US" sz="9200" b="1">
+                <a:solidFill>
+                  <a:srgbClr val="000000"/>
+                </a:solidFill>
+                <a:latin typeface="Canva Sans Bold"/>
+                <a:ea typeface="Canva Sans Bold"/>
+                <a:cs typeface="Canva Sans Bold"/>
+                <a:sym typeface="Canva Sans Bold"/>
+              </a:rPr>
+              <a:t>EDA</a:t>
+            </a:r>
+          </a:p>
+        </p:txBody>
+      </p:sp>
+      <p:sp>
+        <p:nvSpPr>
+          <p:cNvPr id="3" name="TextBox 3">
+            <a:extLst>
+              <a:ext uri="{FF2B5EF4-FFF2-40B4-BE49-F238E27FC236}">
+                <a16:creationId xmlns:a16="http://schemas.microsoft.com/office/drawing/2014/main" id="{3FBA80E0-1B80-AB0C-BF90-57B641888E2D}"/>
+              </a:ext>
+            </a:extLst>
+          </p:cNvPr>
+          <p:cNvSpPr txBox="1"/>
+          <p:nvPr/>
+        </p:nvSpPr>
+        <p:spPr>
+          <a:xfrm>
+            <a:off x="1219200" y="9116438"/>
+            <a:ext cx="16285908" cy="601836"/>
+          </a:xfrm>
+          <a:prstGeom prst="rect">
+            <a:avLst/>
+          </a:prstGeom>
+        </p:spPr>
+        <p:txBody>
+          <a:bodyPr lIns="0" tIns="0" rIns="0" bIns="0" rtlCol="0" anchor="t">
+            <a:spAutoFit/>
+          </a:bodyPr>
+          <a:lstStyle/>
+          <a:p>
+            <a:pPr marL="758752" lvl="1" indent="-379376" algn="ctr">
+              <a:lnSpc>
+                <a:spcPts val="4920"/>
+              </a:lnSpc>
+              <a:buFont typeface="Arial"/>
+              <a:buChar char="•"/>
+            </a:pPr>
+            <a:r>
+              <a:rPr lang="en-US" sz="3514" b="1" dirty="0">
+                <a:solidFill>
+                  <a:srgbClr val="000000"/>
+                </a:solidFill>
+                <a:latin typeface="Canva Sans Bold"/>
+                <a:ea typeface="Canva Sans Bold"/>
+                <a:cs typeface="Canva Sans Bold"/>
+                <a:sym typeface="Canva Sans Bold"/>
+              </a:rPr>
+              <a:t>It appears that the rush hour is around 3 </a:t>
+            </a:r>
+            <a:r>
+              <a:rPr lang="en-US" sz="3514" b="1" dirty="0" err="1">
+                <a:solidFill>
+                  <a:srgbClr val="000000"/>
+                </a:solidFill>
+                <a:latin typeface="Canva Sans Bold"/>
+                <a:ea typeface="Canva Sans Bold"/>
+                <a:cs typeface="Canva Sans Bold"/>
+                <a:sym typeface="Canva Sans Bold"/>
+              </a:rPr>
+              <a:t>oclock</a:t>
+            </a:r>
+            <a:endParaRPr lang="en-US" sz="3514" b="1" dirty="0">
+              <a:solidFill>
+                <a:srgbClr val="000000"/>
+              </a:solidFill>
+              <a:latin typeface="Canva Sans Bold"/>
+              <a:ea typeface="Canva Sans Bold"/>
+              <a:cs typeface="Canva Sans Bold"/>
+              <a:sym typeface="Canva Sans Bold"/>
+            </a:endParaRPr>
+          </a:p>
+        </p:txBody>
+      </p:sp>
+      <p:sp>
+        <p:nvSpPr>
+          <p:cNvPr id="4" name="TextBox 4">
+            <a:extLst>
+              <a:ext uri="{FF2B5EF4-FFF2-40B4-BE49-F238E27FC236}">
+                <a16:creationId xmlns:a16="http://schemas.microsoft.com/office/drawing/2014/main" id="{40C7775D-9A62-10C4-52F8-2CBD3BFDAC3F}"/>
+              </a:ext>
+            </a:extLst>
+          </p:cNvPr>
+          <p:cNvSpPr txBox="1"/>
+          <p:nvPr/>
+        </p:nvSpPr>
+        <p:spPr>
+          <a:xfrm>
+            <a:off x="7086601" y="2389878"/>
+            <a:ext cx="4013052" cy="936154"/>
+          </a:xfrm>
+          <a:prstGeom prst="rect">
+            <a:avLst/>
+          </a:prstGeom>
+        </p:spPr>
+        <p:txBody>
+          <a:bodyPr wrap="square" lIns="0" tIns="0" rIns="0" bIns="0" rtlCol="0" anchor="t">
+            <a:spAutoFit/>
+          </a:bodyPr>
+          <a:lstStyle/>
+          <a:p>
+            <a:pPr algn="ctr">
+              <a:lnSpc>
+                <a:spcPts val="7279"/>
+              </a:lnSpc>
+            </a:pPr>
+            <a:r>
+              <a:rPr lang="en-US" sz="5199" b="1" dirty="0">
+                <a:solidFill>
+                  <a:srgbClr val="000000"/>
+                </a:solidFill>
+                <a:latin typeface="Canva Sans Bold"/>
+                <a:ea typeface="Canva Sans Bold"/>
+                <a:cs typeface="Canva Sans Bold"/>
+                <a:sym typeface="Canva Sans Bold"/>
+              </a:rPr>
+              <a:t>Key insights</a:t>
+            </a:r>
+          </a:p>
+        </p:txBody>
+      </p:sp>
+      <p:pic>
+        <p:nvPicPr>
+          <p:cNvPr id="6" name="Picture 5">
+            <a:extLst>
+              <a:ext uri="{FF2B5EF4-FFF2-40B4-BE49-F238E27FC236}">
+                <a16:creationId xmlns:a16="http://schemas.microsoft.com/office/drawing/2014/main" id="{BB3CF410-CD9E-5A71-980B-08B0A289BCA8}"/>
+              </a:ext>
+            </a:extLst>
+          </p:cNvPr>
+          <p:cNvPicPr>
+            <a:picLocks noChangeAspect="1"/>
+          </p:cNvPicPr>
+          <p:nvPr/>
+        </p:nvPicPr>
+        <p:blipFill>
+          <a:blip r:embed="rId2"/>
+          <a:stretch>
+            <a:fillRect/>
+          </a:stretch>
+        </p:blipFill>
+        <p:spPr>
+          <a:xfrm>
+            <a:off x="1517891" y="3489944"/>
+            <a:ext cx="15252218" cy="5462582"/>
+          </a:xfrm>
+          <a:prstGeom prst="rect">
+            <a:avLst/>
+          </a:prstGeom>
+        </p:spPr>
+      </p:pic>
+    </p:spTree>
+    <p:extLst>
+      <p:ext uri="{BB962C8B-B14F-4D97-AF65-F5344CB8AC3E}">
+        <p14:creationId xmlns:p14="http://schemas.microsoft.com/office/powerpoint/2010/main" val="128440615"/>
+      </p:ext>
+    </p:extLst>
+  </p:cSld>
+  <p:clrMapOvr>
+    <a:masterClrMapping/>
+  </p:clrMapOvr>
+</p:sld>
+</file>
+
+<file path=ppt/slides/slide25.xml><?xml version="1.0" encoding="utf-8"?>
+<p:sld xmlns:a="http://schemas.openxmlformats.org/drawingml/2006/main" xmlns:r="http://schemas.openxmlformats.org/officeDocument/2006/relationships" xmlns:p="http://schemas.openxmlformats.org/presentationml/2006/main">
+  <p:cSld>
+    <p:bg>
+      <p:bgPr>
+        <a:solidFill>
+          <a:srgbClr val="C4E1F9"/>
+        </a:solidFill>
+        <a:effectLst/>
+      </p:bgPr>
+    </p:bg>
+    <p:spTree>
+      <p:nvGrpSpPr>
+        <p:cNvPr id="1" name="">
+          <a:extLst>
+            <a:ext uri="{FF2B5EF4-FFF2-40B4-BE49-F238E27FC236}">
+              <a16:creationId xmlns:a16="http://schemas.microsoft.com/office/drawing/2014/main" id="{0625B2AA-94F2-88C9-5218-A2D8D4962212}"/>
+            </a:ext>
+          </a:extLst>
+        </p:cNvPr>
+        <p:cNvGrpSpPr/>
+        <p:nvPr/>
+      </p:nvGrpSpPr>
+      <p:grpSpPr>
+        <a:xfrm>
+          <a:off x="0" y="0"/>
+          <a:ext cx="0" cy="0"/>
+          <a:chOff x="0" y="0"/>
+          <a:chExt cx="0" cy="0"/>
+        </a:xfrm>
+      </p:grpSpPr>
+      <p:sp>
+        <p:nvSpPr>
+          <p:cNvPr id="2" name="TextBox 2">
+            <a:extLst>
+              <a:ext uri="{FF2B5EF4-FFF2-40B4-BE49-F238E27FC236}">
+                <a16:creationId xmlns:a16="http://schemas.microsoft.com/office/drawing/2014/main" id="{73F7DE87-0766-B44F-C473-0DBB511A00FB}"/>
+              </a:ext>
+            </a:extLst>
+          </p:cNvPr>
+          <p:cNvSpPr txBox="1"/>
+          <p:nvPr/>
+        </p:nvSpPr>
+        <p:spPr>
+          <a:xfrm>
+            <a:off x="6643271" y="702346"/>
+            <a:ext cx="5001459" cy="1566544"/>
+          </a:xfrm>
+          <a:prstGeom prst="rect">
+            <a:avLst/>
+          </a:prstGeom>
+        </p:spPr>
+        <p:txBody>
+          <a:bodyPr lIns="0" tIns="0" rIns="0" bIns="0" rtlCol="0" anchor="t">
+            <a:spAutoFit/>
+          </a:bodyPr>
+          <a:lstStyle/>
+          <a:p>
+            <a:pPr algn="ctr">
+              <a:lnSpc>
+                <a:spcPts val="12880"/>
+              </a:lnSpc>
+            </a:pPr>
+            <a:r>
+              <a:rPr lang="en-US" sz="9200" b="1">
+                <a:solidFill>
+                  <a:srgbClr val="000000"/>
+                </a:solidFill>
+                <a:latin typeface="Canva Sans Bold"/>
+                <a:ea typeface="Canva Sans Bold"/>
+                <a:cs typeface="Canva Sans Bold"/>
+                <a:sym typeface="Canva Sans Bold"/>
+              </a:rPr>
+              <a:t>EDA</a:t>
+            </a:r>
+          </a:p>
+        </p:txBody>
+      </p:sp>
+      <p:sp>
+        <p:nvSpPr>
+          <p:cNvPr id="3" name="TextBox 3">
+            <a:extLst>
+              <a:ext uri="{FF2B5EF4-FFF2-40B4-BE49-F238E27FC236}">
+                <a16:creationId xmlns:a16="http://schemas.microsoft.com/office/drawing/2014/main" id="{AE02869F-FCDC-76CC-A17A-F669EEAD48F3}"/>
+              </a:ext>
+            </a:extLst>
+          </p:cNvPr>
+          <p:cNvSpPr txBox="1"/>
+          <p:nvPr/>
+        </p:nvSpPr>
+        <p:spPr>
+          <a:xfrm>
+            <a:off x="1219200" y="9116438"/>
+            <a:ext cx="16285908" cy="1215974"/>
+          </a:xfrm>
+          <a:prstGeom prst="rect">
+            <a:avLst/>
+          </a:prstGeom>
+        </p:spPr>
+        <p:txBody>
+          <a:bodyPr lIns="0" tIns="0" rIns="0" bIns="0" rtlCol="0" anchor="t">
+            <a:spAutoFit/>
+          </a:bodyPr>
+          <a:lstStyle/>
+          <a:p>
+            <a:pPr marL="758752" lvl="1" indent="-379376" algn="ctr">
+              <a:lnSpc>
+                <a:spcPts val="4920"/>
+              </a:lnSpc>
+              <a:buFont typeface="Arial"/>
+              <a:buChar char="•"/>
+            </a:pPr>
+            <a:r>
+              <a:rPr lang="en-US" sz="3514" b="1" dirty="0">
+                <a:solidFill>
+                  <a:srgbClr val="000000"/>
+                </a:solidFill>
+                <a:latin typeface="Canva Sans Bold"/>
+                <a:ea typeface="Canva Sans Bold"/>
+                <a:cs typeface="Canva Sans Bold"/>
+                <a:sym typeface="Canva Sans Bold"/>
+              </a:rPr>
+              <a:t>It appears that the fare amount is not affected by weather nor the traffic</a:t>
+            </a:r>
+          </a:p>
+        </p:txBody>
+      </p:sp>
+      <p:sp>
+        <p:nvSpPr>
+          <p:cNvPr id="4" name="TextBox 4">
+            <a:extLst>
+              <a:ext uri="{FF2B5EF4-FFF2-40B4-BE49-F238E27FC236}">
+                <a16:creationId xmlns:a16="http://schemas.microsoft.com/office/drawing/2014/main" id="{A7C8B333-4CD3-2674-5770-D2E55A4DA0B7}"/>
+              </a:ext>
+            </a:extLst>
+          </p:cNvPr>
+          <p:cNvSpPr txBox="1"/>
+          <p:nvPr/>
+        </p:nvSpPr>
+        <p:spPr>
+          <a:xfrm>
+            <a:off x="7086601" y="2389878"/>
+            <a:ext cx="4013052" cy="936154"/>
+          </a:xfrm>
+          <a:prstGeom prst="rect">
+            <a:avLst/>
+          </a:prstGeom>
+        </p:spPr>
+        <p:txBody>
+          <a:bodyPr wrap="square" lIns="0" tIns="0" rIns="0" bIns="0" rtlCol="0" anchor="t">
+            <a:spAutoFit/>
+          </a:bodyPr>
+          <a:lstStyle/>
+          <a:p>
+            <a:pPr algn="ctr">
+              <a:lnSpc>
+                <a:spcPts val="7279"/>
+              </a:lnSpc>
+            </a:pPr>
+            <a:r>
+              <a:rPr lang="en-US" sz="5199" b="1" dirty="0">
+                <a:solidFill>
+                  <a:srgbClr val="000000"/>
+                </a:solidFill>
+                <a:latin typeface="Canva Sans Bold"/>
+                <a:ea typeface="Canva Sans Bold"/>
+                <a:cs typeface="Canva Sans Bold"/>
+                <a:sym typeface="Canva Sans Bold"/>
+              </a:rPr>
+              <a:t>Key insights</a:t>
+            </a:r>
+          </a:p>
+        </p:txBody>
+      </p:sp>
+      <p:pic>
+        <p:nvPicPr>
+          <p:cNvPr id="7" name="Picture 6">
+            <a:extLst>
+              <a:ext uri="{FF2B5EF4-FFF2-40B4-BE49-F238E27FC236}">
+                <a16:creationId xmlns:a16="http://schemas.microsoft.com/office/drawing/2014/main" id="{7DC5062F-2A1F-DAF4-86A6-C8358B5953C9}"/>
+              </a:ext>
+            </a:extLst>
+          </p:cNvPr>
+          <p:cNvPicPr>
+            <a:picLocks noChangeAspect="1"/>
+          </p:cNvPicPr>
+          <p:nvPr/>
+        </p:nvPicPr>
+        <p:blipFill>
+          <a:blip r:embed="rId2"/>
+          <a:stretch>
+            <a:fillRect/>
+          </a:stretch>
+        </p:blipFill>
+        <p:spPr>
+          <a:xfrm>
+            <a:off x="2971800" y="3295189"/>
+            <a:ext cx="12775020" cy="5327890"/>
+          </a:xfrm>
+          <a:prstGeom prst="rect">
+            <a:avLst/>
+          </a:prstGeom>
+        </p:spPr>
+      </p:pic>
+    </p:spTree>
+    <p:extLst>
+      <p:ext uri="{BB962C8B-B14F-4D97-AF65-F5344CB8AC3E}">
+        <p14:creationId xmlns:p14="http://schemas.microsoft.com/office/powerpoint/2010/main" val="3229515068"/>
+      </p:ext>
+    </p:extLst>
+  </p:cSld>
+  <p:clrMapOvr>
+    <a:masterClrMapping/>
+  </p:clrMapOvr>
+</p:sld>
+</file>
+
+<file path=ppt/slides/slide26.xml><?xml version="1.0" encoding="utf-8"?>
 <p:sld xmlns:a="http://schemas.openxmlformats.org/drawingml/2006/main" xmlns:r="http://schemas.openxmlformats.org/officeDocument/2006/relationships" xmlns:p="http://schemas.openxmlformats.org/presentationml/2006/main">
   <p:cSld>
     <p:bg>
@@ -7826,7 +7236,7 @@
         </p:nvSpPr>
         <p:spPr>
           <a:xfrm>
-            <a:off x="6400800" y="190500"/>
+            <a:off x="6643271" y="702346"/>
             <a:ext cx="5001459" cy="1566544"/>
           </a:xfrm>
           <a:prstGeom prst="rect">
@@ -7845,7 +7255,7 @@
               </a:lnSpc>
             </a:pPr>
             <a:r>
-              <a:rPr lang="en-US" sz="9200" b="1" dirty="0">
+              <a:rPr lang="en-US" sz="9200" b="1">
                 <a:solidFill>
                   <a:srgbClr val="000000"/>
                 </a:solidFill>
@@ -7855,6 +7265,55 @@
                 <a:sym typeface="Canva Sans Bold"/>
               </a:rPr>
               <a:t>EDA</a:t>
+            </a:r>
+          </a:p>
+        </p:txBody>
+      </p:sp>
+      <p:sp>
+        <p:nvSpPr>
+          <p:cNvPr id="3" name="TextBox 3">
+            <a:extLst>
+              <a:ext uri="{FF2B5EF4-FFF2-40B4-BE49-F238E27FC236}">
+                <a16:creationId xmlns:a16="http://schemas.microsoft.com/office/drawing/2014/main" id="{65EEE445-FB5A-D3FA-30C6-018D07DED2FF}"/>
+              </a:ext>
+            </a:extLst>
+          </p:cNvPr>
+          <p:cNvSpPr txBox="1"/>
+          <p:nvPr/>
+        </p:nvSpPr>
+        <p:spPr>
+          <a:xfrm>
+            <a:off x="1001046" y="8648700"/>
+            <a:ext cx="16285908" cy="1215974"/>
+          </a:xfrm>
+          <a:prstGeom prst="rect">
+            <a:avLst/>
+          </a:prstGeom>
+        </p:spPr>
+        <p:txBody>
+          <a:bodyPr lIns="0" tIns="0" rIns="0" bIns="0" rtlCol="0" anchor="t">
+            <a:spAutoFit/>
+          </a:bodyPr>
+          <a:lstStyle/>
+          <a:p>
+            <a:pPr marL="758752" lvl="1" indent="-379376" algn="ctr">
+              <a:lnSpc>
+                <a:spcPts val="4920"/>
+              </a:lnSpc>
+              <a:buFont typeface="Arial"/>
+              <a:buChar char="•"/>
+            </a:pPr>
+            <a:r>
+              <a:rPr lang="en-US" sz="3514" b="1" dirty="0">
+                <a:solidFill>
+                  <a:srgbClr val="000000"/>
+                </a:solidFill>
+                <a:latin typeface="Canva Sans Bold"/>
+                <a:ea typeface="Canva Sans Bold"/>
+                <a:cs typeface="Canva Sans Bold"/>
+                <a:sym typeface="Canva Sans Bold"/>
+              </a:rPr>
+              <a:t>It appears that Michael Smith is the most frequent driver with the most earnings</a:t>
             </a:r>
           </a:p>
         </p:txBody>
@@ -7873,8 +7332,8 @@
         </p:nvSpPr>
         <p:spPr>
           <a:xfrm>
-            <a:off x="3679903" y="1732799"/>
-            <a:ext cx="11252053" cy="1872307"/>
+            <a:off x="7086601" y="2389878"/>
+            <a:ext cx="4013052" cy="936154"/>
           </a:xfrm>
           <a:prstGeom prst="rect">
             <a:avLst/>
@@ -7892,7 +7351,7 @@
               </a:lnSpc>
             </a:pPr>
             <a:r>
-              <a:rPr lang="en-US" sz="5199" b="1" dirty="0" smtClean="0">
+              <a:rPr lang="en-US" sz="5199" b="1" dirty="0">
                 <a:solidFill>
                   <a:srgbClr val="000000"/>
                 </a:solidFill>
@@ -7901,17 +7360,8 @@
                 <a:cs typeface="Canva Sans Bold"/>
                 <a:sym typeface="Canva Sans Bold"/>
               </a:rPr>
-              <a:t>We plot the number of trips for top 10  drivers and total earning</a:t>
-            </a:r>
-            <a:endParaRPr lang="en-US" sz="5199" b="1" dirty="0">
-              <a:solidFill>
-                <a:srgbClr val="000000"/>
-              </a:solidFill>
-              <a:latin typeface="Canva Sans Bold"/>
-              <a:ea typeface="Canva Sans Bold"/>
-              <a:cs typeface="Canva Sans Bold"/>
-              <a:sym typeface="Canva Sans Bold"/>
-            </a:endParaRPr>
+              <a:t>Key insights</a:t>
+            </a:r>
           </a:p>
         </p:txBody>
       </p:sp>
@@ -7937,7 +7387,7 @@
         </p:blipFill>
         <p:spPr>
           <a:xfrm>
-            <a:off x="762000" y="4457700"/>
+            <a:off x="878811" y="3616121"/>
             <a:ext cx="7503189" cy="4158309"/>
           </a:xfrm>
           <a:prstGeom prst="rect">
@@ -7967,7 +7417,7 @@
         </p:blipFill>
         <p:spPr>
           <a:xfrm>
-            <a:off x="10287000" y="4411134"/>
+            <a:off x="10229858" y="3612089"/>
             <a:ext cx="7304279" cy="4166775"/>
           </a:xfrm>
           <a:prstGeom prst="rect">
@@ -7985,311 +7435,10 @@
   <p:clrMapOvr>
     <a:masterClrMapping/>
   </p:clrMapOvr>
-  <p:timing>
-    <p:tnLst>
-      <p:par>
-        <p:cTn id="1" dur="indefinite" restart="never" nodeType="tmRoot"/>
-      </p:par>
-    </p:tnLst>
-  </p:timing>
 </p:sld>
 </file>
 
-<file path=ppt/slides/slide3.xml><?xml version="1.0" encoding="utf-8"?>
-<p:sld xmlns:a="http://schemas.openxmlformats.org/drawingml/2006/main" xmlns:r="http://schemas.openxmlformats.org/officeDocument/2006/relationships" xmlns:p="http://schemas.openxmlformats.org/presentationml/2006/main">
-  <p:cSld>
-    <p:bg>
-      <p:bgPr>
-        <a:solidFill>
-          <a:srgbClr val="C4E1F9"/>
-        </a:solidFill>
-        <a:effectLst/>
-      </p:bgPr>
-    </p:bg>
-    <p:spTree>
-      <p:nvGrpSpPr>
-        <p:cNvPr id="1" name=""/>
-        <p:cNvGrpSpPr/>
-        <p:nvPr/>
-      </p:nvGrpSpPr>
-      <p:grpSpPr>
-        <a:xfrm>
-          <a:off x="0" y="0"/>
-          <a:ext cx="0" cy="0"/>
-          <a:chOff x="0" y="0"/>
-          <a:chExt cx="0" cy="0"/>
-        </a:xfrm>
-      </p:grpSpPr>
-      <p:sp>
-        <p:nvSpPr>
-          <p:cNvPr id="2" name="TextBox 2"/>
-          <p:cNvSpPr txBox="1"/>
-          <p:nvPr/>
-        </p:nvSpPr>
-        <p:spPr>
-          <a:xfrm>
-            <a:off x="1028700" y="1028700"/>
-            <a:ext cx="7232822" cy="1379155"/>
-          </a:xfrm>
-          <a:prstGeom prst="rect">
-            <a:avLst/>
-          </a:prstGeom>
-        </p:spPr>
-        <p:txBody>
-          <a:bodyPr lIns="0" tIns="0" rIns="0" bIns="0" rtlCol="0" anchor="t">
-            <a:spAutoFit/>
-          </a:bodyPr>
-          <a:lstStyle/>
-          <a:p>
-            <a:pPr marL="0" lvl="0" indent="0" algn="l">
-              <a:lnSpc>
-                <a:spcPts val="10952"/>
-              </a:lnSpc>
-            </a:pPr>
-            <a:r>
-              <a:rPr lang="en-US" sz="9051" b="1">
-                <a:solidFill>
-                  <a:srgbClr val="000000"/>
-                </a:solidFill>
-                <a:latin typeface="Source Serif Pro Bold"/>
-                <a:ea typeface="Source Serif Pro Bold"/>
-                <a:cs typeface="Source Serif Pro Bold"/>
-                <a:sym typeface="Source Serif Pro Bold"/>
-              </a:rPr>
-              <a:t>Introduction</a:t>
-            </a:r>
-          </a:p>
-        </p:txBody>
-      </p:sp>
-      <p:sp>
-        <p:nvSpPr>
-          <p:cNvPr id="3" name="TextBox 3"/>
-          <p:cNvSpPr txBox="1"/>
-          <p:nvPr/>
-        </p:nvSpPr>
-        <p:spPr>
-          <a:xfrm>
-            <a:off x="688232" y="3489306"/>
-            <a:ext cx="16339838" cy="4102058"/>
-          </a:xfrm>
-          <a:prstGeom prst="rect">
-            <a:avLst/>
-          </a:prstGeom>
-        </p:spPr>
-        <p:txBody>
-          <a:bodyPr lIns="0" tIns="0" rIns="0" bIns="0" rtlCol="0" anchor="t">
-            <a:spAutoFit/>
-          </a:bodyPr>
-          <a:lstStyle/>
-          <a:p>
-            <a:pPr marL="0" lvl="0" indent="0" algn="l">
-              <a:lnSpc>
-                <a:spcPts val="4741"/>
-              </a:lnSpc>
-            </a:pPr>
-            <a:r>
-              <a:rPr lang="en-US" sz="3386">
-                <a:solidFill>
-                  <a:srgbClr val="000000"/>
-                </a:solidFill>
-                <a:latin typeface="Source Sans Pro"/>
-                <a:ea typeface="Source Sans Pro"/>
-                <a:cs typeface="Source Sans Pro"/>
-                <a:sym typeface="Source Sans Pro"/>
-              </a:rPr>
-              <a:t>IN TODAY’S COMPETITIVE TRANSPORTATION INDUSTRY, DATA ANALYSIS PLAYS A PIVOTAL ROLE IN DRIVING BUSINESS SUCCESS. FOR A COMPANY LIKE UBER, ANALYZING TRIP DATA PROVIDES ESSENTIAL INSIGHTS THAT HELP OPTIMIZE OPERATIONS, IMPROVE THE RIDER AND DRIVER EXPERIENCE, AND GAIN A COMPETITIVE EDGE. BY STUDYING PATTERNS IN DEMAND, GEOGRAPHIC TRENDS, AND CUSTOMER BEHAVIOR, UBER CAN MAKE INFORMED DECISIONS THAT ENSURE DRIVERS ARE AVAILABLE WHEN AND WHERE THEY’RE NEEDED MOST, ULTIMATELY ENHANCING THE EFFICIENCY AND RELIABILITY OF THE PLATFORM.</a:t>
-            </a:r>
-          </a:p>
-        </p:txBody>
-      </p:sp>
-    </p:spTree>
-  </p:cSld>
-  <p:clrMapOvr>
-    <a:masterClrMapping/>
-  </p:clrMapOvr>
-</p:sld>
-</file>
-
-<file path=ppt/slides/slide30.xml><?xml version="1.0" encoding="utf-8"?>
-<p:sld xmlns:a="http://schemas.openxmlformats.org/drawingml/2006/main" xmlns:r="http://schemas.openxmlformats.org/officeDocument/2006/relationships" xmlns:p="http://schemas.openxmlformats.org/presentationml/2006/main">
-  <p:cSld>
-    <p:bg>
-      <p:bgPr>
-        <a:solidFill>
-          <a:srgbClr val="C4E1F9"/>
-        </a:solidFill>
-        <a:effectLst/>
-      </p:bgPr>
-    </p:bg>
-    <p:spTree>
-      <p:nvGrpSpPr>
-        <p:cNvPr id="1" name=""/>
-        <p:cNvGrpSpPr/>
-        <p:nvPr/>
-      </p:nvGrpSpPr>
-      <p:grpSpPr>
-        <a:xfrm>
-          <a:off x="0" y="0"/>
-          <a:ext cx="0" cy="0"/>
-          <a:chOff x="0" y="0"/>
-          <a:chExt cx="0" cy="0"/>
-        </a:xfrm>
-      </p:grpSpPr>
-      <p:sp>
-        <p:nvSpPr>
-          <p:cNvPr id="2" name="TextBox 2"/>
-          <p:cNvSpPr txBox="1"/>
-          <p:nvPr/>
-        </p:nvSpPr>
-        <p:spPr>
-          <a:xfrm>
-            <a:off x="6643271" y="702346"/>
-            <a:ext cx="5001459" cy="1566544"/>
-          </a:xfrm>
-          <a:prstGeom prst="rect">
-            <a:avLst/>
-          </a:prstGeom>
-        </p:spPr>
-        <p:txBody>
-          <a:bodyPr lIns="0" tIns="0" rIns="0" bIns="0" rtlCol="0" anchor="t">
-            <a:spAutoFit/>
-          </a:bodyPr>
-          <a:lstStyle/>
-          <a:p>
-            <a:pPr algn="ctr">
-              <a:lnSpc>
-                <a:spcPts val="12880"/>
-              </a:lnSpc>
-            </a:pPr>
-            <a:r>
-              <a:rPr lang="en-US" sz="9200" b="1">
-                <a:solidFill>
-                  <a:srgbClr val="000000"/>
-                </a:solidFill>
-                <a:latin typeface="Canva Sans Bold"/>
-                <a:ea typeface="Canva Sans Bold"/>
-                <a:cs typeface="Canva Sans Bold"/>
-                <a:sym typeface="Canva Sans Bold"/>
-              </a:rPr>
-              <a:t>EDA</a:t>
-            </a:r>
-          </a:p>
-        </p:txBody>
-      </p:sp>
-      <p:sp>
-        <p:nvSpPr>
-          <p:cNvPr id="3" name="TextBox 3"/>
-          <p:cNvSpPr txBox="1"/>
-          <p:nvPr/>
-        </p:nvSpPr>
-        <p:spPr>
-          <a:xfrm>
-            <a:off x="973392" y="4541664"/>
-            <a:ext cx="16285908" cy="1215974"/>
-          </a:xfrm>
-          <a:prstGeom prst="rect">
-            <a:avLst/>
-          </a:prstGeom>
-        </p:spPr>
-        <p:txBody>
-          <a:bodyPr lIns="0" tIns="0" rIns="0" bIns="0" rtlCol="0" anchor="t">
-            <a:spAutoFit/>
-          </a:bodyPr>
-          <a:lstStyle/>
-          <a:p>
-            <a:pPr marL="758752" lvl="1" indent="-379376" algn="ctr">
-              <a:lnSpc>
-                <a:spcPts val="4920"/>
-              </a:lnSpc>
-              <a:buFont typeface="Arial"/>
-              <a:buChar char="•"/>
-            </a:pPr>
-            <a:r>
-              <a:rPr lang="en-US" sz="3514" b="1" dirty="0">
-                <a:solidFill>
-                  <a:srgbClr val="000000"/>
-                </a:solidFill>
-                <a:latin typeface="Canva Sans Bold"/>
-                <a:ea typeface="Canva Sans Bold"/>
-                <a:cs typeface="Canva Sans Bold"/>
-                <a:sym typeface="Canva Sans Bold"/>
-              </a:rPr>
-              <a:t>It appears that Michael Smith is the most frequent driver with the most earnings</a:t>
-            </a:r>
-            <a:endParaRPr lang="en-US" sz="3514" b="1" dirty="0">
-              <a:solidFill>
-                <a:srgbClr val="000000"/>
-              </a:solidFill>
-              <a:latin typeface="Canva Sans Bold"/>
-              <a:ea typeface="Canva Sans Bold"/>
-              <a:cs typeface="Canva Sans Bold"/>
-              <a:sym typeface="Canva Sans Bold"/>
-            </a:endParaRPr>
-          </a:p>
-        </p:txBody>
-      </p:sp>
-      <p:sp>
-        <p:nvSpPr>
-          <p:cNvPr id="4" name="TextBox 4"/>
-          <p:cNvSpPr txBox="1"/>
-          <p:nvPr/>
-        </p:nvSpPr>
-        <p:spPr>
-          <a:xfrm>
-            <a:off x="7086601" y="2389878"/>
-            <a:ext cx="4013052" cy="936154"/>
-          </a:xfrm>
-          <a:prstGeom prst="rect">
-            <a:avLst/>
-          </a:prstGeom>
-        </p:spPr>
-        <p:txBody>
-          <a:bodyPr wrap="square" lIns="0" tIns="0" rIns="0" bIns="0" rtlCol="0" anchor="t">
-            <a:spAutoFit/>
-          </a:bodyPr>
-          <a:lstStyle/>
-          <a:p>
-            <a:pPr algn="ctr">
-              <a:lnSpc>
-                <a:spcPts val="7279"/>
-              </a:lnSpc>
-            </a:pPr>
-            <a:r>
-              <a:rPr lang="en-US" sz="5199" b="1" dirty="0">
-                <a:solidFill>
-                  <a:srgbClr val="000000"/>
-                </a:solidFill>
-                <a:latin typeface="Canva Sans Bold"/>
-                <a:ea typeface="Canva Sans Bold"/>
-                <a:cs typeface="Canva Sans Bold"/>
-                <a:sym typeface="Canva Sans Bold"/>
-              </a:rPr>
-              <a:t>Key insights</a:t>
-            </a:r>
-          </a:p>
-        </p:txBody>
-      </p:sp>
-    </p:spTree>
-    <p:extLst>
-      <p:ext uri="{BB962C8B-B14F-4D97-AF65-F5344CB8AC3E}">
-        <p14:creationId xmlns:p14="http://schemas.microsoft.com/office/powerpoint/2010/main" val="4268636935"/>
-      </p:ext>
-    </p:extLst>
-  </p:cSld>
-  <p:clrMapOvr>
-    <a:masterClrMapping/>
-  </p:clrMapOvr>
-  <p:timing>
-    <p:tnLst>
-      <p:par>
-        <p:cTn id="1" dur="indefinite" restart="never" nodeType="tmRoot"/>
-      </p:par>
-    </p:tnLst>
-  </p:timing>
-</p:sld>
-</file>
-
-<file path=ppt/slides/slide31.xml><?xml version="1.0" encoding="utf-8"?>
+<file path=ppt/slides/slide27.xml><?xml version="1.0" encoding="utf-8"?>
 <p:sld xmlns:a="http://schemas.openxmlformats.org/drawingml/2006/main" xmlns:r="http://schemas.openxmlformats.org/officeDocument/2006/relationships" xmlns:p="http://schemas.openxmlformats.org/presentationml/2006/main">
   <p:cSld>
     <p:bg>
@@ -8585,13 +7734,121 @@
   <p:clrMapOvr>
     <a:masterClrMapping/>
   </p:clrMapOvr>
-  <p:timing>
-    <p:tnLst>
-      <p:par>
-        <p:cTn id="1" dur="indefinite" restart="never" nodeType="tmRoot"/>
-      </p:par>
-    </p:tnLst>
-  </p:timing>
+</p:sld>
+</file>
+
+<file path=ppt/slides/slide3.xml><?xml version="1.0" encoding="utf-8"?>
+<p:sld xmlns:a="http://schemas.openxmlformats.org/drawingml/2006/main" xmlns:r="http://schemas.openxmlformats.org/officeDocument/2006/relationships" xmlns:p="http://schemas.openxmlformats.org/presentationml/2006/main">
+  <p:cSld>
+    <p:bg>
+      <p:bgPr>
+        <a:solidFill>
+          <a:srgbClr val="C4E1F9"/>
+        </a:solidFill>
+        <a:effectLst/>
+      </p:bgPr>
+    </p:bg>
+    <p:spTree>
+      <p:nvGrpSpPr>
+        <p:cNvPr id="1" name=""/>
+        <p:cNvGrpSpPr/>
+        <p:nvPr/>
+      </p:nvGrpSpPr>
+      <p:grpSpPr>
+        <a:xfrm>
+          <a:off x="0" y="0"/>
+          <a:ext cx="0" cy="0"/>
+          <a:chOff x="0" y="0"/>
+          <a:chExt cx="0" cy="0"/>
+        </a:xfrm>
+      </p:grpSpPr>
+      <p:sp>
+        <p:nvSpPr>
+          <p:cNvPr id="2" name="TextBox 2"/>
+          <p:cNvSpPr txBox="1"/>
+          <p:nvPr/>
+        </p:nvSpPr>
+        <p:spPr>
+          <a:xfrm>
+            <a:off x="1028700" y="1028700"/>
+            <a:ext cx="7232822" cy="1379155"/>
+          </a:xfrm>
+          <a:prstGeom prst="rect">
+            <a:avLst/>
+          </a:prstGeom>
+        </p:spPr>
+        <p:txBody>
+          <a:bodyPr lIns="0" tIns="0" rIns="0" bIns="0" rtlCol="0" anchor="t">
+            <a:spAutoFit/>
+          </a:bodyPr>
+          <a:lstStyle/>
+          <a:p>
+            <a:pPr marL="0" lvl="0" indent="0" algn="l">
+              <a:lnSpc>
+                <a:spcPts val="10952"/>
+              </a:lnSpc>
+            </a:pPr>
+            <a:r>
+              <a:rPr lang="en-US" sz="9051" b="1">
+                <a:solidFill>
+                  <a:srgbClr val="000000"/>
+                </a:solidFill>
+                <a:latin typeface="Source Serif Pro Bold"/>
+                <a:ea typeface="Source Serif Pro Bold"/>
+                <a:cs typeface="Source Serif Pro Bold"/>
+                <a:sym typeface="Source Serif Pro Bold"/>
+              </a:rPr>
+              <a:t>Introduction</a:t>
+            </a:r>
+          </a:p>
+        </p:txBody>
+      </p:sp>
+      <p:sp>
+        <p:nvSpPr>
+          <p:cNvPr id="3" name="TextBox 3"/>
+          <p:cNvSpPr txBox="1"/>
+          <p:nvPr/>
+        </p:nvSpPr>
+        <p:spPr>
+          <a:xfrm>
+            <a:off x="688232" y="3489306"/>
+            <a:ext cx="16339838" cy="4102058"/>
+          </a:xfrm>
+          <a:prstGeom prst="rect">
+            <a:avLst/>
+          </a:prstGeom>
+        </p:spPr>
+        <p:txBody>
+          <a:bodyPr lIns="0" tIns="0" rIns="0" bIns="0" rtlCol="0" anchor="t">
+            <a:spAutoFit/>
+          </a:bodyPr>
+          <a:lstStyle/>
+          <a:p>
+            <a:pPr marL="0" lvl="0" indent="0" algn="l">
+              <a:lnSpc>
+                <a:spcPts val="4741"/>
+              </a:lnSpc>
+            </a:pPr>
+            <a:r>
+              <a:rPr lang="en-US" sz="3386">
+                <a:solidFill>
+                  <a:srgbClr val="000000"/>
+                </a:solidFill>
+                <a:latin typeface="Source Sans Pro"/>
+                <a:ea typeface="Source Sans Pro"/>
+                <a:cs typeface="Source Sans Pro"/>
+                <a:sym typeface="Source Sans Pro"/>
+              </a:rPr>
+              <a:t>IN TODAY’S COMPETITIVE TRANSPORTATION INDUSTRY, DATA ANALYSIS PLAYS A PIVOTAL ROLE IN DRIVING BUSINESS SUCCESS. FOR A COMPANY LIKE UBER, ANALYZING TRIP DATA PROVIDES ESSENTIAL INSIGHTS THAT HELP OPTIMIZE OPERATIONS, IMPROVE THE RIDER AND DRIVER EXPERIENCE, AND GAIN A COMPETITIVE EDGE. BY STUDYING PATTERNS IN DEMAND, GEOGRAPHIC TRENDS, AND CUSTOMER BEHAVIOR, UBER CAN MAKE INFORMED DECISIONS THAT ENSURE DRIVERS ARE AVAILABLE WHEN AND WHERE THEY’RE NEEDED MOST, ULTIMATELY ENHANCING THE EFFICIENCY AND RELIABILITY OF THE PLATFORM.</a:t>
+            </a:r>
+          </a:p>
+        </p:txBody>
+      </p:sp>
+    </p:spTree>
+  </p:cSld>
+  <p:clrMapOvr>
+    <a:masterClrMapping/>
+  </p:clrMapOvr>
 </p:sld>
 </file>
 
@@ -10988,13 +10245,6 @@
   <p:clrMapOvr>
     <a:masterClrMapping/>
   </p:clrMapOvr>
-  <p:timing>
-    <p:tnLst>
-      <p:par>
-        <p:cTn id="1" dur="indefinite" restart="never" nodeType="tmRoot"/>
-      </p:par>
-    </p:tnLst>
-  </p:timing>
 </p:sld>
 </file>
 
@@ -11274,13 +10524,6 @@
   <p:clrMapOvr>
     <a:masterClrMapping/>
   </p:clrMapOvr>
-  <p:timing>
-    <p:tnLst>
-      <p:par>
-        <p:cTn id="1" dur="indefinite" restart="never" nodeType="tmRoot"/>
-      </p:par>
-    </p:tnLst>
-  </p:timing>
 </p:sld>
 </file>
 
@@ -11468,13 +10711,6 @@
   <p:clrMapOvr>
     <a:masterClrMapping/>
   </p:clrMapOvr>
-  <p:timing>
-    <p:tnLst>
-      <p:par>
-        <p:cTn id="1" dur="indefinite" restart="never" nodeType="tmRoot"/>
-      </p:par>
-    </p:tnLst>
-  </p:timing>
 </p:sld>
 </file>
 
@@ -11762,15 +10998,6 @@
 </file>
 
 <file path=customXml/item1.xml><?xml version="1.0" encoding="utf-8"?>
-<?mso-contentType ?>
-<FormTemplates xmlns="http://schemas.microsoft.com/sharepoint/v3/contenttype/forms">
-  <Display>DocumentLibraryForm</Display>
-  <Edit>DocumentLibraryForm</Edit>
-  <New>DocumentLibraryForm</New>
-</FormTemplates>
-</file>
-
-<file path=customXml/item2.xml><?xml version="1.0" encoding="utf-8"?>
 <ct:contentTypeSchema xmlns:ct="http://schemas.microsoft.com/office/2006/metadata/contentType" xmlns:ma="http://schemas.microsoft.com/office/2006/metadata/properties/metaAttributes" ct:_="" ma:_="" ma:contentTypeName="Document" ma:contentTypeID="0x0101008ADA9DBFE3C4D64594C9D1465A4E8D2F" ma:contentTypeVersion="14" ma:contentTypeDescription="Create a new document." ma:contentTypeScope="" ma:versionID="9814ed4f944e1ef7063f4ef8cb68a04f">
   <xsd:schema xmlns:xsd="http://www.w3.org/2001/XMLSchema" xmlns:xs="http://www.w3.org/2001/XMLSchema" xmlns:p="http://schemas.microsoft.com/office/2006/metadata/properties" xmlns:ns3="8ed189ea-6d85-4e2a-bb01-b61ca62b6940" xmlns:ns4="618b369f-18d7-4961-828a-a96ec425440e" targetNamespace="http://schemas.microsoft.com/office/2006/metadata/properties" ma:root="true" ma:fieldsID="c6dd18e8031bb3d1a1fad305d954223a" ns3:_="" ns4:_="">
     <xsd:import namespace="8ed189ea-6d85-4e2a-bb01-b61ca62b6940"/>
@@ -11997,6 +11224,15 @@
 </ct:contentTypeSchema>
 </file>
 
+<file path=customXml/item2.xml><?xml version="1.0" encoding="utf-8"?>
+<?mso-contentType ?>
+<FormTemplates xmlns="http://schemas.microsoft.com/sharepoint/v3/contenttype/forms">
+  <Display>DocumentLibraryForm</Display>
+  <Edit>DocumentLibraryForm</Edit>
+  <New>DocumentLibraryForm</New>
+</FormTemplates>
+</file>
+
 <file path=customXml/item3.xml><?xml version="1.0" encoding="utf-8"?>
 <p:properties xmlns:p="http://schemas.microsoft.com/office/2006/metadata/properties" xmlns:xsi="http://www.w3.org/2001/XMLSchema-instance" xmlns:pc="http://schemas.microsoft.com/office/infopath/2007/PartnerControls">
   <documentManagement>
@@ -12006,14 +11242,6 @@
 </file>
 
 <file path=customXml/itemProps1.xml><?xml version="1.0" encoding="utf-8"?>
-<ds:datastoreItem xmlns:ds="http://schemas.openxmlformats.org/officeDocument/2006/customXml" ds:itemID="{C0D6FF82-9A89-46D8-8A6D-E689CAA21AEF}">
-  <ds:schemaRefs>
-    <ds:schemaRef ds:uri="http://schemas.microsoft.com/sharepoint/v3/contenttype/forms"/>
-  </ds:schemaRefs>
-</ds:datastoreItem>
-</file>
-
-<file path=customXml/itemProps2.xml><?xml version="1.0" encoding="utf-8"?>
 <ds:datastoreItem xmlns:ds="http://schemas.openxmlformats.org/officeDocument/2006/customXml" ds:itemID="{DC815508-8327-4D2F-B47A-CA6FE8592A69}">
   <ds:schemaRefs>
     <ds:schemaRef ds:uri="http://schemas.microsoft.com/office/2006/metadata/contentType"/>
@@ -12032,19 +11260,27 @@
 </ds:datastoreItem>
 </file>
 
+<file path=customXml/itemProps2.xml><?xml version="1.0" encoding="utf-8"?>
+<ds:datastoreItem xmlns:ds="http://schemas.openxmlformats.org/officeDocument/2006/customXml" ds:itemID="{C0D6FF82-9A89-46D8-8A6D-E689CAA21AEF}">
+  <ds:schemaRefs>
+    <ds:schemaRef ds:uri="http://schemas.microsoft.com/sharepoint/v3/contenttype/forms"/>
+  </ds:schemaRefs>
+</ds:datastoreItem>
+</file>
+
 <file path=customXml/itemProps3.xml><?xml version="1.0" encoding="utf-8"?>
 <ds:datastoreItem xmlns:ds="http://schemas.openxmlformats.org/officeDocument/2006/customXml" ds:itemID="{DF760505-2862-4078-9B1B-B430CA1CD991}">
   <ds:schemaRefs>
+    <ds:schemaRef ds:uri="http://www.w3.org/XML/1998/namespace"/>
     <ds:schemaRef ds:uri="http://schemas.microsoft.com/office/2006/documentManagement/types"/>
+    <ds:schemaRef ds:uri="http://purl.org/dc/elements/1.1/"/>
+    <ds:schemaRef ds:uri="http://schemas.microsoft.com/office/2006/metadata/properties"/>
+    <ds:schemaRef ds:uri="618b369f-18d7-4961-828a-a96ec425440e"/>
+    <ds:schemaRef ds:uri="http://schemas.microsoft.com/office/infopath/2007/PartnerControls"/>
+    <ds:schemaRef ds:uri="http://schemas.openxmlformats.org/package/2006/metadata/core-properties"/>
     <ds:schemaRef ds:uri="8ed189ea-6d85-4e2a-bb01-b61ca62b6940"/>
-    <ds:schemaRef ds:uri="618b369f-18d7-4961-828a-a96ec425440e"/>
-    <ds:schemaRef ds:uri="http://purl.org/dc/elements/1.1/"/>
-    <ds:schemaRef ds:uri="http://www.w3.org/XML/1998/namespace"/>
+    <ds:schemaRef ds:uri="http://purl.org/dc/dcmitype/"/>
     <ds:schemaRef ds:uri="http://purl.org/dc/terms/"/>
-    <ds:schemaRef ds:uri="http://schemas.openxmlformats.org/package/2006/metadata/core-properties"/>
-    <ds:schemaRef ds:uri="http://schemas.microsoft.com/office/infopath/2007/PartnerControls"/>
-    <ds:schemaRef ds:uri="http://schemas.microsoft.com/office/2006/metadata/properties"/>
-    <ds:schemaRef ds:uri="http://purl.org/dc/dcmitype/"/>
   </ds:schemaRefs>
 </ds:datastoreItem>
 </file>